--- a/Lecture0.pptx
+++ b/Lecture0.pptx
@@ -6,10 +6,10 @@
     <p:sldMasterId id="2147484045" r:id="rId6"/>
   </p:sldMasterIdLst>
   <p:notesMasterIdLst>
-    <p:notesMasterId r:id="rId20"/>
+    <p:notesMasterId r:id="rId22"/>
   </p:notesMasterIdLst>
   <p:handoutMasterIdLst>
-    <p:handoutMasterId r:id="rId21"/>
+    <p:handoutMasterId r:id="rId23"/>
   </p:handoutMasterIdLst>
   <p:sldIdLst>
     <p:sldId id="256" r:id="rId7"/>
@@ -21,10 +21,12 @@
     <p:sldId id="263" r:id="rId13"/>
     <p:sldId id="262" r:id="rId14"/>
     <p:sldId id="266" r:id="rId15"/>
-    <p:sldId id="267" r:id="rId16"/>
-    <p:sldId id="268" r:id="rId17"/>
-    <p:sldId id="264" r:id="rId18"/>
-    <p:sldId id="265" r:id="rId19"/>
+    <p:sldId id="269" r:id="rId16"/>
+    <p:sldId id="267" r:id="rId17"/>
+    <p:sldId id="268" r:id="rId18"/>
+    <p:sldId id="264" r:id="rId19"/>
+    <p:sldId id="265" r:id="rId20"/>
+    <p:sldId id="270" r:id="rId21"/>
   </p:sldIdLst>
   <p:sldSz cx="9144000" cy="5143500" type="screen16x9"/>
   <p:notesSz cx="6858000" cy="9144000"/>
@@ -269,7 +271,7 @@
           <a:p>
             <a:fld id="{1458F1B7-9674-7B4B-B65F-D26117F5FD28}" type="datetimeFigureOut">
               <a:rPr lang="sv-SE" smtClean="0"/>
-              <a:t>2026-01-08</a:t>
+              <a:t>2026-01-16</a:t>
             </a:fld>
             <a:endParaRPr lang="sv-SE"/>
           </a:p>
@@ -456,7 +458,7 @@
               <a:pPr>
                 <a:defRPr/>
               </a:pPr>
-              <a:t>2026-01-08</a:t>
+              <a:t>2026-01-16</a:t>
             </a:fld>
             <a:endParaRPr lang="sv-SE"/>
           </a:p>
@@ -943,7 +945,7 @@
           <a:p>
             <a:fld id="{0A64EDAC-536C-2849-AA01-14D646C9D2BB}" type="datetime1">
               <a:rPr lang="sv-SE" smtClean="0"/>
-              <a:t>2026-01-08</a:t>
+              <a:t>2026-01-16</a:t>
             </a:fld>
             <a:endParaRPr lang="sv-SE"/>
           </a:p>
@@ -1486,7 +1488,7 @@
           <a:p>
             <a:fld id="{DBBBEC12-E6CA-AE43-ABFD-43835A99E9B7}" type="datetime1">
               <a:rPr lang="sv-SE" smtClean="0"/>
-              <a:t>2026-01-08</a:t>
+              <a:t>2026-01-16</a:t>
             </a:fld>
             <a:endParaRPr lang="sv-SE" dirty="0"/>
           </a:p>
@@ -3160,7 +3162,7 @@
           <a:p>
             <a:fld id="{AB88A462-2E10-984D-BF7E-477088741950}" type="datetime1">
               <a:rPr lang="sv-SE" smtClean="0"/>
-              <a:t>2026-01-08</a:t>
+              <a:t>2026-01-16</a:t>
             </a:fld>
             <a:endParaRPr lang="sv-SE"/>
           </a:p>
@@ -3668,7 +3670,7 @@
           <a:p>
             <a:fld id="{DBBBEC12-E6CA-AE43-ABFD-43835A99E9B7}" type="datetime1">
               <a:rPr lang="sv-SE" smtClean="0"/>
-              <a:t>2026-01-08</a:t>
+              <a:t>2026-01-16</a:t>
             </a:fld>
             <a:endParaRPr lang="sv-SE"/>
           </a:p>
@@ -4078,7 +4080,7 @@
           <a:p>
             <a:fld id="{492183EC-3300-1E4C-B74F-7ACAA0E7918C}" type="datetime1">
               <a:rPr lang="sv-SE" smtClean="0"/>
-              <a:t>2026-01-08</a:t>
+              <a:t>2026-01-16</a:t>
             </a:fld>
             <a:endParaRPr lang="sv-SE"/>
           </a:p>
@@ -4438,7 +4440,7 @@
           <a:p>
             <a:fld id="{00DA9FFA-7B23-EE44-B126-BB3E8E9B7BA5}" type="datetime1">
               <a:rPr lang="sv-SE" smtClean="0"/>
-              <a:t>2026-01-08</a:t>
+              <a:t>2026-01-16</a:t>
             </a:fld>
             <a:endParaRPr lang="sv-SE"/>
           </a:p>
@@ -4764,7 +4766,7 @@
           <a:p>
             <a:fld id="{51508FDF-FD9B-7A45-AF1D-5AA275C6C901}" type="datetime1">
               <a:rPr lang="sv-SE" smtClean="0"/>
-              <a:t>2026-01-08</a:t>
+              <a:t>2026-01-16</a:t>
             </a:fld>
             <a:endParaRPr lang="sv-SE" dirty="0"/>
           </a:p>
@@ -5570,7 +5572,7 @@
           <a:p>
             <a:fld id="{B451429D-A6D5-6F4B-A73F-E2F9E8AB1E89}" type="datetime1">
               <a:rPr lang="sv-SE" smtClean="0"/>
-              <a:t>2026-01-08</a:t>
+              <a:t>2026-01-16</a:t>
             </a:fld>
             <a:endParaRPr lang="sv-SE"/>
           </a:p>
@@ -7398,7 +7400,7 @@
           <a:p>
             <a:fld id="{51508FDF-FD9B-7A45-AF1D-5AA275C6C901}" type="datetime1">
               <a:rPr lang="sv-SE" smtClean="0"/>
-              <a:t>2026-01-08</a:t>
+              <a:t>2026-01-16</a:t>
             </a:fld>
             <a:endParaRPr lang="sv-SE" dirty="0"/>
           </a:p>
@@ -7727,7 +7729,7 @@
           <a:p>
             <a:fld id="{C6B84183-0A52-F549-9625-DFB5786C4152}" type="datetime1">
               <a:rPr lang="sv-SE" smtClean="0"/>
-              <a:t>2026-01-08</a:t>
+              <a:t>2026-01-16</a:t>
             </a:fld>
             <a:endParaRPr lang="sv-SE"/>
           </a:p>
@@ -7979,7 +7981,7 @@
           <a:p>
             <a:fld id="{BE4AF225-9878-4544-B893-9B8F84FF7610}" type="datetime1">
               <a:rPr lang="sv-SE" smtClean="0"/>
-              <a:t>2026-01-08</a:t>
+              <a:t>2026-01-16</a:t>
             </a:fld>
             <a:endParaRPr lang="sv-SE"/>
           </a:p>
@@ -8444,7 +8446,7 @@
           <a:p>
             <a:fld id="{8B9F61CD-D070-144B-A9B0-B0491685806D}" type="datetime1">
               <a:rPr lang="sv-SE" smtClean="0"/>
-              <a:t>2026-01-08</a:t>
+              <a:t>2026-01-16</a:t>
             </a:fld>
             <a:endParaRPr lang="sv-SE"/>
           </a:p>
@@ -8742,7 +8744,7 @@
           <a:p>
             <a:fld id="{A12EAA66-7BA0-7046-A391-045B69237349}" type="datetime1">
               <a:rPr lang="sv-SE" smtClean="0"/>
-              <a:t>2026-01-08</a:t>
+              <a:t>2026-01-16</a:t>
             </a:fld>
             <a:endParaRPr lang="sv-SE"/>
           </a:p>
@@ -9048,7 +9050,7 @@
           <a:p>
             <a:fld id="{146728AD-AF8C-B441-8C26-FE8252380E97}" type="datetime1">
               <a:rPr lang="sv-SE" smtClean="0"/>
-              <a:t>2026-01-08</a:t>
+              <a:t>2026-01-16</a:t>
             </a:fld>
             <a:endParaRPr lang="sv-SE"/>
           </a:p>
@@ -9260,7 +9262,7 @@
           <a:p>
             <a:fld id="{CE03E914-7FC3-564D-B7ED-7BA3C4DE8EF1}" type="datetime1">
               <a:rPr lang="sv-SE" smtClean="0"/>
-              <a:t>2026-01-08</a:t>
+              <a:t>2026-01-16</a:t>
             </a:fld>
             <a:endParaRPr lang="sv-SE"/>
           </a:p>
@@ -9513,7 +9515,7 @@
           <a:p>
             <a:fld id="{0A64EDAC-536C-2849-AA01-14D646C9D2BB}" type="datetime1">
               <a:rPr lang="sv-SE" smtClean="0"/>
-              <a:t>2026-01-08</a:t>
+              <a:t>2026-01-16</a:t>
             </a:fld>
             <a:endParaRPr lang="sv-SE"/>
           </a:p>
@@ -9970,7 +9972,7 @@
           <a:p>
             <a:fld id="{0A64EDAC-536C-2849-AA01-14D646C9D2BB}" type="datetime1">
               <a:rPr lang="sv-SE" smtClean="0"/>
-              <a:t>2026-01-08</a:t>
+              <a:t>2026-01-16</a:t>
             </a:fld>
             <a:endParaRPr lang="sv-SE"/>
           </a:p>
@@ -10266,7 +10268,7 @@
           <a:p>
             <a:fld id="{D8125BBA-1A33-424D-850B-399FE7F35543}" type="datetime1">
               <a:rPr lang="sv-SE" smtClean="0"/>
-              <a:t>2026-01-08</a:t>
+              <a:t>2026-01-16</a:t>
             </a:fld>
             <a:endParaRPr lang="sv-SE"/>
           </a:p>
@@ -10682,7 +10684,7 @@
           <a:p>
             <a:fld id="{8E943903-E894-A247-9544-C1B94E8AA9DA}" type="datetime1">
               <a:rPr lang="sv-SE" smtClean="0"/>
-              <a:t>2026-01-08</a:t>
+              <a:t>2026-01-16</a:t>
             </a:fld>
             <a:endParaRPr lang="sv-SE"/>
           </a:p>
@@ -10930,7 +10932,7 @@
           <a:p>
             <a:fld id="{623ABDC5-7DB3-6148-9256-04F8C8994448}" type="datetime1">
               <a:rPr lang="sv-SE" smtClean="0"/>
-              <a:t>2026-01-08</a:t>
+              <a:t>2026-01-16</a:t>
             </a:fld>
             <a:endParaRPr lang="sv-SE"/>
           </a:p>
@@ -11483,7 +11485,7 @@
           <a:p>
             <a:fld id="{04C62DA2-9266-1E47-803D-608D6A00DCEC}" type="datetime1">
               <a:rPr lang="sv-SE" smtClean="0"/>
-              <a:t>2026-01-08</a:t>
+              <a:t>2026-01-16</a:t>
             </a:fld>
             <a:endParaRPr lang="sv-SE"/>
           </a:p>
@@ -11938,7 +11940,7 @@
           <a:p>
             <a:fld id="{6EBAC4CF-9858-6A4D-B4A9-BB4989F51960}" type="datetime1">
               <a:rPr lang="sv-SE" smtClean="0"/>
-              <a:t>2026-01-08</a:t>
+              <a:t>2026-01-16</a:t>
             </a:fld>
             <a:endParaRPr lang="sv-SE"/>
           </a:p>
@@ -13630,7 +13632,7 @@
           <a:p>
             <a:fld id="{B790749C-268F-5B49-B84C-9700E29D6312}" type="datetime1">
               <a:rPr lang="en-GB" smtClean="0"/>
-              <a:t>08/01/2026</a:t>
+              <a:t>16/01/2026</a:t>
             </a:fld>
             <a:endParaRPr lang="en-GB" dirty="0"/>
           </a:p>
@@ -14056,7 +14058,7 @@
           <a:p>
             <a:fld id="{DBBBEC12-E6CA-AE43-ABFD-43835A99E9B7}" type="datetime1">
               <a:rPr lang="sv-SE" smtClean="0"/>
-              <a:t>2026-01-08</a:t>
+              <a:t>2026-01-16</a:t>
             </a:fld>
             <a:endParaRPr lang="sv-SE"/>
           </a:p>
@@ -15659,7 +15661,7 @@
           <a:p>
             <a:fld id="{DBBBEC12-E6CA-AE43-ABFD-43835A99E9B7}" type="datetime1">
               <a:rPr lang="sv-SE" smtClean="0"/>
-              <a:t>2026-01-08</a:t>
+              <a:t>2026-01-16</a:t>
             </a:fld>
             <a:endParaRPr lang="sv-SE"/>
           </a:p>
@@ -16089,7 +16091,7 @@
           <a:p>
             <a:fld id="{AB88A462-2E10-984D-BF7E-477088741950}" type="datetime1">
               <a:rPr lang="sv-SE" smtClean="0"/>
-              <a:t>2026-01-08</a:t>
+              <a:t>2026-01-16</a:t>
             </a:fld>
             <a:endParaRPr lang="sv-SE"/>
           </a:p>
@@ -16583,7 +16585,7 @@
           <a:p>
             <a:fld id="{DBBBEC12-E6CA-AE43-ABFD-43835A99E9B7}" type="datetime1">
               <a:rPr lang="sv-SE" smtClean="0"/>
-              <a:t>2026-01-08</a:t>
+              <a:t>2026-01-16</a:t>
             </a:fld>
             <a:endParaRPr lang="sv-SE"/>
           </a:p>
@@ -16993,7 +16995,7 @@
           <a:p>
             <a:fld id="{492183EC-3300-1E4C-B74F-7ACAA0E7918C}" type="datetime1">
               <a:rPr lang="sv-SE" smtClean="0"/>
-              <a:t>2026-01-08</a:t>
+              <a:t>2026-01-16</a:t>
             </a:fld>
             <a:endParaRPr lang="sv-SE"/>
           </a:p>
@@ -17341,7 +17343,7 @@
           <a:p>
             <a:fld id="{00DA9FFA-7B23-EE44-B126-BB3E8E9B7BA5}" type="datetime1">
               <a:rPr lang="sv-SE" smtClean="0"/>
-              <a:t>2026-01-08</a:t>
+              <a:t>2026-01-16</a:t>
             </a:fld>
             <a:endParaRPr lang="sv-SE"/>
           </a:p>
@@ -17674,7 +17676,7 @@
           <a:p>
             <a:fld id="{51508FDF-FD9B-7A45-AF1D-5AA275C6C901}" type="datetime1">
               <a:rPr lang="sv-SE" smtClean="0"/>
-              <a:t>2026-01-08</a:t>
+              <a:t>2026-01-16</a:t>
             </a:fld>
             <a:endParaRPr lang="sv-SE"/>
           </a:p>
@@ -19692,7 +19694,7 @@
           <a:p>
             <a:fld id="{51508FDF-FD9B-7A45-AF1D-5AA275C6C901}" type="datetime1">
               <a:rPr lang="sv-SE" smtClean="0"/>
-              <a:t>2026-01-08</a:t>
+              <a:t>2026-01-16</a:t>
             </a:fld>
             <a:endParaRPr lang="sv-SE" dirty="0"/>
           </a:p>
@@ -19872,7 +19874,7 @@
           <a:p>
             <a:fld id="{A12EAA66-7BA0-7046-A391-045B69237349}" type="datetime1">
               <a:rPr lang="sv-SE" smtClean="0"/>
-              <a:t>2026-01-08</a:t>
+              <a:t>2026-01-16</a:t>
             </a:fld>
             <a:endParaRPr lang="sv-SE"/>
           </a:p>
@@ -20117,7 +20119,7 @@
           <a:p>
             <a:fld id="{CE03E914-7FC3-564D-B7ED-7BA3C4DE8EF1}" type="datetime1">
               <a:rPr lang="sv-SE" smtClean="0"/>
-              <a:t>2026-01-08</a:t>
+              <a:t>2026-01-16</a:t>
             </a:fld>
             <a:endParaRPr lang="sv-SE"/>
           </a:p>
@@ -20301,7 +20303,7 @@
           <a:p>
             <a:fld id="{D8125BBA-1A33-424D-850B-399FE7F35543}" type="datetime1">
               <a:rPr lang="sv-SE" smtClean="0"/>
-              <a:t>2026-01-08</a:t>
+              <a:t>2026-01-16</a:t>
             </a:fld>
             <a:endParaRPr lang="sv-SE"/>
           </a:p>
@@ -20775,7 +20777,7 @@
           <a:p>
             <a:fld id="{40B838CE-AA38-854D-8F87-301986983AB0}" type="datetime1">
               <a:rPr lang="sv-SE" smtClean="0"/>
-              <a:t>2026-01-08</a:t>
+              <a:t>2026-01-16</a:t>
             </a:fld>
             <a:endParaRPr lang="sv-SE"/>
           </a:p>
@@ -21091,7 +21093,7 @@
           <a:p>
             <a:fld id="{69590CB0-D311-EE45-A2A4-A07C4CCDD2C4}" type="datetime1">
               <a:rPr lang="sv-SE" smtClean="0"/>
-              <a:t>2026-01-08</a:t>
+              <a:t>2026-01-16</a:t>
             </a:fld>
             <a:endParaRPr lang="sv-SE"/>
           </a:p>
@@ -21348,7 +21350,7 @@
           <a:p>
             <a:fld id="{623ABDC5-7DB3-6148-9256-04F8C8994448}" type="datetime1">
               <a:rPr lang="sv-SE" smtClean="0"/>
-              <a:t>2026-01-08</a:t>
+              <a:t>2026-01-16</a:t>
             </a:fld>
             <a:endParaRPr lang="sv-SE"/>
           </a:p>
@@ -21860,7 +21862,7 @@
           <a:p>
             <a:fld id="{04C62DA2-9266-1E47-803D-608D6A00DCEC}" type="datetime1">
               <a:rPr lang="sv-SE" smtClean="0"/>
-              <a:t>2026-01-08</a:t>
+              <a:t>2026-01-16</a:t>
             </a:fld>
             <a:endParaRPr lang="sv-SE"/>
           </a:p>
@@ -22332,7 +22334,7 @@
           <a:p>
             <a:fld id="{6EBAC4CF-9858-6A4D-B4A9-BB4989F51960}" type="datetime1">
               <a:rPr lang="sv-SE" smtClean="0"/>
-              <a:t>2026-01-08</a:t>
+              <a:t>2026-01-16</a:t>
             </a:fld>
             <a:endParaRPr lang="sv-SE"/>
           </a:p>
@@ -24043,7 +24045,7 @@
             <a:fld id="{332711EF-2923-AD48-AB7E-77B7E6E9352D}" type="datetime1">
               <a:rPr lang="en-GB" smtClean="0"/>
               <a:pPr/>
-              <a:t>08/01/2026</a:t>
+              <a:t>16/01/2026</a:t>
             </a:fld>
             <a:endParaRPr lang="en-GB" dirty="0"/>
           </a:p>
@@ -25066,7 +25068,7 @@
             <a:fld id="{332711EF-2923-AD48-AB7E-77B7E6E9352D}" type="datetime1">
               <a:rPr lang="sv-SE" smtClean="0"/>
               <a:pPr/>
-              <a:t>2026-01-08</a:t>
+              <a:t>2026-01-16</a:t>
             </a:fld>
             <a:endParaRPr lang="sv-SE" dirty="0"/>
           </a:p>
@@ -26063,7 +26065,13 @@
   <p:cSld>
     <p:spTree>
       <p:nvGrpSpPr>
-        <p:cNvPr id="1" name=""/>
+        <p:cNvPr id="1" name="">
+          <a:extLst>
+            <a:ext uri="{FF2B5EF4-FFF2-40B4-BE49-F238E27FC236}">
+              <a16:creationId xmlns:a16="http://schemas.microsoft.com/office/drawing/2014/main" id="{EEDC00A3-AB50-1371-4845-251CA36908A5}"/>
+            </a:ext>
+          </a:extLst>
+        </p:cNvPr>
         <p:cNvGrpSpPr/>
         <p:nvPr/>
       </p:nvGrpSpPr>
@@ -26077,10 +26085,10 @@
       </p:grpSpPr>
       <p:sp>
         <p:nvSpPr>
-          <p:cNvPr id="2" name="Platshållare för bild 1">
+          <p:cNvPr id="4" name="Platshållare för innehåll 3">
             <a:extLst>
               <a:ext uri="{FF2B5EF4-FFF2-40B4-BE49-F238E27FC236}">
-                <a16:creationId xmlns:a16="http://schemas.microsoft.com/office/drawing/2014/main" id="{C89EB8AC-7537-F812-DD19-DCD3CC526132}"/>
+                <a16:creationId xmlns:a16="http://schemas.microsoft.com/office/drawing/2014/main" id="{68B08E51-F13C-A0D7-AE1C-A3AFE61F1002}"/>
               </a:ext>
             </a:extLst>
           </p:cNvPr>
@@ -26088,181 +26096,92 @@
             <a:spLocks noGrp="1"/>
           </p:cNvSpPr>
           <p:nvPr>
-            <p:ph type="pic" sz="quarter" idx="17"/>
-          </p:nvPr>
-        </p:nvSpPr>
-        <p:spPr/>
-      </p:sp>
-      <p:sp>
-        <p:nvSpPr>
-          <p:cNvPr id="3" name="Rubrik 2">
+            <p:ph sz="quarter" idx="12"/>
+          </p:nvPr>
+        </p:nvSpPr>
+        <p:spPr>
+          <a:xfrm>
+            <a:off x="3472257" y="1365516"/>
+            <a:ext cx="5308488" cy="1582345"/>
+          </a:xfrm>
+        </p:spPr>
+        <p:txBody>
+          <a:bodyPr>
+            <a:normAutofit/>
+          </a:bodyPr>
+          <a:lstStyle/>
+          <a:p>
+            <a:pPr marL="0" indent="0">
+              <a:spcBef>
+                <a:spcPts val="0"/>
+              </a:spcBef>
+              <a:buNone/>
+            </a:pPr>
+            <a:r>
+              <a:rPr lang="en-US" sz="1300" dirty="0"/>
+              <a:t>Henrica C. W. de Vet (Author), Caroline B. </a:t>
+            </a:r>
+            <a:r>
+              <a:rPr lang="en-US" sz="1300" dirty="0" err="1"/>
+              <a:t>Terwee</a:t>
+            </a:r>
+            <a:r>
+              <a:rPr lang="en-US" sz="1300" dirty="0"/>
+              <a:t> (Author), Lidwine B. </a:t>
+            </a:r>
+            <a:r>
+              <a:rPr lang="en-US" sz="1300" dirty="0" err="1"/>
+              <a:t>Mokkink</a:t>
+            </a:r>
+            <a:r>
+              <a:rPr lang="en-US" sz="1300" dirty="0"/>
+              <a:t> (Author), Dirk L. Knol</a:t>
+            </a:r>
+            <a:r>
+              <a:rPr lang="sv-SE" sz="1300" dirty="0"/>
+              <a:t> (2011). </a:t>
+            </a:r>
+            <a:br>
+              <a:rPr lang="en-US" dirty="0"/>
+            </a:br>
+            <a:r>
+              <a:rPr lang="en-US" sz="1900" dirty="0"/>
+              <a:t>Measurement in Medicine: A Practical Guide</a:t>
+            </a:r>
+            <a:br>
+              <a:rPr lang="sv-SE" dirty="0"/>
+            </a:br>
+            <a:r>
+              <a:rPr lang="en-US" sz="1200" dirty="0"/>
+              <a:t>Cambridge University Press</a:t>
+            </a:r>
+            <a:r>
+              <a:rPr lang="sv-SE" sz="1200" dirty="0"/>
+              <a:t>. </a:t>
+            </a:r>
+            <a:r>
+              <a:rPr lang="en-US" sz="1200" dirty="0"/>
+              <a:t>ISBN-13 978-0521118200</a:t>
+            </a:r>
+          </a:p>
+          <a:p>
+            <a:pPr marL="0" indent="0">
+              <a:buNone/>
+            </a:pPr>
+            <a:r>
+              <a:rPr lang="sv-SE" sz="1200" dirty="0"/>
+              <a:t>.</a:t>
+            </a:r>
+            <a:endParaRPr lang="sv-SE" dirty="0"/>
+          </a:p>
+        </p:txBody>
+      </p:sp>
+      <p:sp>
+        <p:nvSpPr>
+          <p:cNvPr id="5" name="Platshållare för sidfot 4">
             <a:extLst>
               <a:ext uri="{FF2B5EF4-FFF2-40B4-BE49-F238E27FC236}">
-                <a16:creationId xmlns:a16="http://schemas.microsoft.com/office/drawing/2014/main" id="{930FD9E5-F398-3ECD-B9B3-07E1813CA63B}"/>
-              </a:ext>
-            </a:extLst>
-          </p:cNvPr>
-          <p:cNvSpPr>
-            <a:spLocks noGrp="1"/>
-          </p:cNvSpPr>
-          <p:nvPr>
-            <p:ph type="title"/>
-          </p:nvPr>
-        </p:nvSpPr>
-        <p:spPr/>
-        <p:txBody>
-          <a:bodyPr/>
-          <a:lstStyle/>
-          <a:p>
-            <a:r>
-              <a:rPr lang="sv-SE" dirty="0" err="1"/>
-              <a:t>Additional</a:t>
-            </a:r>
-            <a:r>
-              <a:rPr lang="sv-SE" dirty="0"/>
-              <a:t> </a:t>
-            </a:r>
-            <a:r>
-              <a:rPr lang="sv-SE" dirty="0" err="1"/>
-              <a:t>resources</a:t>
-            </a:r>
-            <a:endParaRPr lang="sv-SE" dirty="0"/>
-          </a:p>
-        </p:txBody>
-      </p:sp>
-      <p:sp>
-        <p:nvSpPr>
-          <p:cNvPr id="4" name="Platshållare för innehåll 3">
-            <a:extLst>
-              <a:ext uri="{FF2B5EF4-FFF2-40B4-BE49-F238E27FC236}">
-                <a16:creationId xmlns:a16="http://schemas.microsoft.com/office/drawing/2014/main" id="{EBA48341-9B12-44F1-1416-0320533471A4}"/>
-              </a:ext>
-            </a:extLst>
-          </p:cNvPr>
-          <p:cNvSpPr>
-            <a:spLocks noGrp="1"/>
-          </p:cNvSpPr>
-          <p:nvPr>
-            <p:ph sz="quarter" idx="12"/>
-          </p:nvPr>
-        </p:nvSpPr>
-        <p:spPr/>
-        <p:txBody>
-          <a:bodyPr/>
-          <a:lstStyle/>
-          <a:p>
-            <a:r>
-              <a:rPr lang="sv-SE" dirty="0" err="1"/>
-              <a:t>We</a:t>
-            </a:r>
-            <a:r>
-              <a:rPr lang="sv-SE" dirty="0"/>
-              <a:t> </a:t>
-            </a:r>
-            <a:r>
-              <a:rPr lang="sv-SE" dirty="0" err="1"/>
-              <a:t>will</a:t>
-            </a:r>
-            <a:r>
-              <a:rPr lang="sv-SE" dirty="0"/>
-              <a:t> </a:t>
-            </a:r>
-            <a:r>
-              <a:rPr lang="sv-SE" dirty="0" err="1"/>
-              <a:t>use</a:t>
-            </a:r>
-            <a:r>
-              <a:rPr lang="sv-SE" dirty="0"/>
-              <a:t> </a:t>
-            </a:r>
-            <a:r>
-              <a:rPr lang="sv-SE" dirty="0" err="1"/>
-              <a:t>some</a:t>
-            </a:r>
-            <a:r>
-              <a:rPr lang="sv-SE" dirty="0"/>
-              <a:t> </a:t>
-            </a:r>
-            <a:r>
-              <a:rPr lang="sv-SE" dirty="0" err="1"/>
-              <a:t>additional</a:t>
-            </a:r>
-            <a:r>
-              <a:rPr lang="sv-SE" dirty="0"/>
-              <a:t> software (</a:t>
-            </a:r>
-            <a:r>
-              <a:rPr lang="sv-SE" dirty="0" err="1"/>
-              <a:t>open</a:t>
-            </a:r>
-            <a:r>
-              <a:rPr lang="sv-SE" dirty="0"/>
-              <a:t> source and </a:t>
-            </a:r>
-            <a:r>
-              <a:rPr lang="sv-SE" dirty="0" err="1"/>
-              <a:t>free</a:t>
-            </a:r>
-            <a:r>
-              <a:rPr lang="sv-SE" dirty="0"/>
-              <a:t>)</a:t>
-            </a:r>
-          </a:p>
-          <a:p>
-            <a:r>
-              <a:rPr lang="sv-SE" dirty="0" err="1"/>
-              <a:t>Additional</a:t>
-            </a:r>
-            <a:r>
-              <a:rPr lang="sv-SE" dirty="0"/>
-              <a:t> </a:t>
-            </a:r>
-            <a:r>
-              <a:rPr lang="sv-SE" dirty="0" err="1"/>
-              <a:t>reading</a:t>
-            </a:r>
-            <a:r>
-              <a:rPr lang="sv-SE" dirty="0"/>
-              <a:t> material (</a:t>
-            </a:r>
-            <a:r>
-              <a:rPr lang="sv-SE" dirty="0" err="1"/>
-              <a:t>articles</a:t>
-            </a:r>
-            <a:r>
-              <a:rPr lang="sv-SE" dirty="0"/>
-              <a:t> and web </a:t>
-            </a:r>
-            <a:r>
-              <a:rPr lang="sv-SE" dirty="0" err="1"/>
-              <a:t>links</a:t>
-            </a:r>
-            <a:r>
-              <a:rPr lang="sv-SE" dirty="0"/>
-              <a:t>) </a:t>
-            </a:r>
-            <a:r>
-              <a:rPr lang="sv-SE" dirty="0" err="1"/>
-              <a:t>will</a:t>
-            </a:r>
-            <a:r>
-              <a:rPr lang="sv-SE" dirty="0"/>
-              <a:t> be </a:t>
-            </a:r>
-            <a:r>
-              <a:rPr lang="sv-SE" dirty="0" err="1"/>
-              <a:t>provided</a:t>
-            </a:r>
-            <a:endParaRPr lang="sv-SE" dirty="0"/>
-          </a:p>
-        </p:txBody>
-      </p:sp>
-      <p:sp>
-        <p:nvSpPr>
-          <p:cNvPr id="5" name="Platshållare för sidfot 4">
-            <a:extLst>
-              <a:ext uri="{FF2B5EF4-FFF2-40B4-BE49-F238E27FC236}">
-                <a16:creationId xmlns:a16="http://schemas.microsoft.com/office/drawing/2014/main" id="{6718E8C1-19F2-0F8A-0CCA-ED5358A0D29C}"/>
+                <a16:creationId xmlns:a16="http://schemas.microsoft.com/office/drawing/2014/main" id="{529E07DD-D034-0FEC-2BF4-1A7EBD3C5634}"/>
               </a:ext>
             </a:extLst>
           </p:cNvPr>
@@ -26293,10 +26212,237 @@
           </a:p>
         </p:txBody>
       </p:sp>
+      <p:sp>
+        <p:nvSpPr>
+          <p:cNvPr id="8" name="Platshållare för innehåll 3">
+            <a:extLst>
+              <a:ext uri="{FF2B5EF4-FFF2-40B4-BE49-F238E27FC236}">
+                <a16:creationId xmlns:a16="http://schemas.microsoft.com/office/drawing/2014/main" id="{EDE1413B-8FCE-2B02-1FC2-571A59E49922}"/>
+              </a:ext>
+            </a:extLst>
+          </p:cNvPr>
+          <p:cNvSpPr txBox="1">
+            <a:spLocks/>
+          </p:cNvSpPr>
+          <p:nvPr/>
+        </p:nvSpPr>
+        <p:spPr>
+          <a:xfrm>
+            <a:off x="1012319" y="426198"/>
+            <a:ext cx="7768426" cy="993204"/>
+          </a:xfrm>
+          <a:prstGeom prst="rect">
+            <a:avLst/>
+          </a:prstGeom>
+        </p:spPr>
+        <p:txBody>
+          <a:bodyPr vert="horz" lIns="0" tIns="0" rIns="0" bIns="0" rtlCol="0">
+            <a:normAutofit/>
+          </a:bodyPr>
+          <a:lstStyle>
+            <a:lvl1pPr marL="216000" indent="-216000" algn="l" defTabSz="457200" rtl="0" eaLnBrk="1" fontAlgn="base" hangingPunct="1">
+              <a:lnSpc>
+                <a:spcPct val="110000"/>
+              </a:lnSpc>
+              <a:spcBef>
+                <a:spcPts val="800"/>
+              </a:spcBef>
+              <a:spcAft>
+                <a:spcPct val="0"/>
+              </a:spcAft>
+              <a:buFont typeface="Arial" charset="0"/>
+              <a:buChar char="•"/>
+              <a:defRPr lang="sv-SE" sz="1800" kern="1200">
+                <a:solidFill>
+                  <a:schemeClr val="bg1"/>
+                </a:solidFill>
+                <a:latin typeface="Arial" panose="020B0604020202020204" pitchFamily="34" charset="0"/>
+                <a:ea typeface="ＭＳ Ｐゴシック" pitchFamily="-65" charset="-128"/>
+                <a:cs typeface="Arial" panose="020B0604020202020204" pitchFamily="34" charset="0"/>
+              </a:defRPr>
+            </a:lvl1pPr>
+            <a:lvl2pPr marL="432000" indent="-216000" algn="l" defTabSz="457200" rtl="0" eaLnBrk="1" fontAlgn="base" hangingPunct="1">
+              <a:lnSpc>
+                <a:spcPct val="100000"/>
+              </a:lnSpc>
+              <a:spcBef>
+                <a:spcPts val="200"/>
+              </a:spcBef>
+              <a:spcAft>
+                <a:spcPts val="300"/>
+              </a:spcAft>
+              <a:buFont typeface="Arial" panose="020B0604020202020204" pitchFamily="34" charset="0"/>
+              <a:buChar char="–"/>
+              <a:defRPr lang="sv-SE" sz="1600" kern="1200" baseline="0">
+                <a:solidFill>
+                  <a:schemeClr val="bg1"/>
+                </a:solidFill>
+                <a:latin typeface="Arial" panose="020B0604020202020204" pitchFamily="34" charset="0"/>
+                <a:ea typeface="ＭＳ Ｐゴシック" pitchFamily="-65" charset="-128"/>
+                <a:cs typeface="Arial" panose="020B0604020202020204" pitchFamily="34" charset="0"/>
+              </a:defRPr>
+            </a:lvl2pPr>
+            <a:lvl3pPr marL="648000" indent="-216000" algn="l" defTabSz="457200" rtl="0" eaLnBrk="1" fontAlgn="base" hangingPunct="1">
+              <a:spcBef>
+                <a:spcPts val="0"/>
+              </a:spcBef>
+              <a:spcAft>
+                <a:spcPts val="300"/>
+              </a:spcAft>
+              <a:buFont typeface="Wingdings" panose="05000000000000000000" pitchFamily="2" charset="2"/>
+              <a:buChar char="§"/>
+              <a:defRPr lang="sv-SE" sz="1600" kern="1200">
+                <a:solidFill>
+                  <a:schemeClr val="bg1"/>
+                </a:solidFill>
+                <a:latin typeface="Arial" panose="020B0604020202020204" pitchFamily="34" charset="0"/>
+                <a:ea typeface="ＭＳ Ｐゴシック" charset="0"/>
+                <a:cs typeface="Arial" panose="020B0604020202020204" pitchFamily="34" charset="0"/>
+              </a:defRPr>
+            </a:lvl3pPr>
+            <a:lvl4pPr marL="864000" indent="-216000" algn="l" defTabSz="457200" rtl="0" eaLnBrk="1" fontAlgn="base" hangingPunct="1">
+              <a:spcBef>
+                <a:spcPts val="0"/>
+              </a:spcBef>
+              <a:spcAft>
+                <a:spcPts val="300"/>
+              </a:spcAft>
+              <a:buFont typeface="Arial" panose="020B0604020202020204" pitchFamily="34" charset="0"/>
+              <a:buChar char="•"/>
+              <a:defRPr lang="sv-SE" sz="1600" kern="1200" baseline="0">
+                <a:solidFill>
+                  <a:schemeClr val="bg1"/>
+                </a:solidFill>
+                <a:latin typeface="Arial" panose="020B0604020202020204" pitchFamily="34" charset="0"/>
+                <a:ea typeface="Helvetica" charset="0"/>
+                <a:cs typeface="Arial" panose="020B0604020202020204" pitchFamily="34" charset="0"/>
+              </a:defRPr>
+            </a:lvl4pPr>
+            <a:lvl5pPr marL="1080000" indent="-216000" algn="l" defTabSz="457200" rtl="0" eaLnBrk="1" fontAlgn="base" hangingPunct="1">
+              <a:spcBef>
+                <a:spcPts val="0"/>
+              </a:spcBef>
+              <a:spcAft>
+                <a:spcPct val="0"/>
+              </a:spcAft>
+              <a:buFont typeface="Arial" panose="020B0604020202020204" pitchFamily="34" charset="0"/>
+              <a:buChar char="–"/>
+              <a:defRPr lang="sv-SE" sz="1600" kern="1200">
+                <a:solidFill>
+                  <a:schemeClr val="bg1"/>
+                </a:solidFill>
+                <a:latin typeface="Arial" panose="020B0604020202020204" pitchFamily="34" charset="0"/>
+                <a:ea typeface="Helvetica" charset="0"/>
+                <a:cs typeface="Arial" panose="020B0604020202020204" pitchFamily="34" charset="0"/>
+              </a:defRPr>
+            </a:lvl5pPr>
+            <a:lvl6pPr marL="1616075" indent="-215900" algn="l" defTabSz="457200" rtl="0" eaLnBrk="1" latinLnBrk="0" hangingPunct="1">
+              <a:spcBef>
+                <a:spcPts val="0"/>
+              </a:spcBef>
+              <a:buFont typeface="Wingdings" panose="05000000000000000000" pitchFamily="2" charset="2"/>
+              <a:buChar char="§"/>
+              <a:defRPr sz="1700" kern="1200">
+                <a:solidFill>
+                  <a:schemeClr val="tx1"/>
+                </a:solidFill>
+                <a:latin typeface="+mn-lt"/>
+                <a:ea typeface="+mn-ea"/>
+                <a:cs typeface="+mn-cs"/>
+              </a:defRPr>
+            </a:lvl6pPr>
+            <a:lvl7pPr marL="2971800" indent="-228600" algn="l" defTabSz="457200" rtl="0" eaLnBrk="1" latinLnBrk="0" hangingPunct="1">
+              <a:spcBef>
+                <a:spcPct val="20000"/>
+              </a:spcBef>
+              <a:buFont typeface="Arial"/>
+              <a:buChar char="•"/>
+              <a:defRPr sz="2000" kern="1200">
+                <a:solidFill>
+                  <a:schemeClr val="tx1"/>
+                </a:solidFill>
+                <a:latin typeface="+mn-lt"/>
+                <a:ea typeface="+mn-ea"/>
+                <a:cs typeface="+mn-cs"/>
+              </a:defRPr>
+            </a:lvl7pPr>
+            <a:lvl8pPr marL="3429000" indent="-228600" algn="l" defTabSz="457200" rtl="0" eaLnBrk="1" latinLnBrk="0" hangingPunct="1">
+              <a:spcBef>
+                <a:spcPct val="20000"/>
+              </a:spcBef>
+              <a:buFont typeface="Arial"/>
+              <a:buChar char="•"/>
+              <a:defRPr sz="2000" kern="1200">
+                <a:solidFill>
+                  <a:schemeClr val="tx1"/>
+                </a:solidFill>
+                <a:latin typeface="+mn-lt"/>
+                <a:ea typeface="+mn-ea"/>
+                <a:cs typeface="+mn-cs"/>
+              </a:defRPr>
+            </a:lvl8pPr>
+            <a:lvl9pPr marL="3886200" indent="-228600" algn="l" defTabSz="457200" rtl="0" eaLnBrk="1" latinLnBrk="0" hangingPunct="1">
+              <a:spcBef>
+                <a:spcPct val="20000"/>
+              </a:spcBef>
+              <a:buFont typeface="Arial"/>
+              <a:buChar char="•"/>
+              <a:defRPr sz="2000" kern="1200">
+                <a:solidFill>
+                  <a:schemeClr val="tx1"/>
+                </a:solidFill>
+                <a:latin typeface="+mn-lt"/>
+                <a:ea typeface="+mn-ea"/>
+                <a:cs typeface="+mn-cs"/>
+              </a:defRPr>
+            </a:lvl9pPr>
+          </a:lstStyle>
+          <a:p>
+            <a:pPr marL="0" indent="0">
+              <a:buNone/>
+            </a:pPr>
+            <a:r>
+              <a:rPr lang="en-US" sz="4000" noProof="0" dirty="0"/>
+              <a:t>Optional book</a:t>
+            </a:r>
+          </a:p>
+        </p:txBody>
+      </p:sp>
+      <p:pic>
+        <p:nvPicPr>
+          <p:cNvPr id="3" name="Picture 2" descr="A book cover with text and circles&#10;&#10;AI-generated content may be incorrect.">
+            <a:extLst>
+              <a:ext uri="{FF2B5EF4-FFF2-40B4-BE49-F238E27FC236}">
+                <a16:creationId xmlns:a16="http://schemas.microsoft.com/office/drawing/2014/main" id="{F0284B1D-0235-B918-45C9-DD0200C98025}"/>
+              </a:ext>
+            </a:extLst>
+          </p:cNvPr>
+          <p:cNvPicPr>
+            <a:picLocks noChangeAspect="1"/>
+          </p:cNvPicPr>
+          <p:nvPr/>
+        </p:nvPicPr>
+        <p:blipFill>
+          <a:blip r:embed="rId2"/>
+          <a:srcRect l="523" t="1963"/>
+          <a:stretch>
+            <a:fillRect/>
+          </a:stretch>
+        </p:blipFill>
+        <p:spPr>
+          <a:xfrm>
+            <a:off x="1012319" y="1298184"/>
+            <a:ext cx="1838454" cy="2717754"/>
+          </a:xfrm>
+          <a:prstGeom prst="rect">
+            <a:avLst/>
+          </a:prstGeom>
+        </p:spPr>
+      </p:pic>
     </p:spTree>
     <p:extLst>
       <p:ext uri="{BB962C8B-B14F-4D97-AF65-F5344CB8AC3E}">
-        <p14:creationId xmlns:p14="http://schemas.microsoft.com/office/powerpoint/2010/main" val="72046095"/>
+        <p14:creationId xmlns:p14="http://schemas.microsoft.com/office/powerpoint/2010/main" val="1010350212"/>
       </p:ext>
     </p:extLst>
   </p:cSld>
@@ -26340,7 +26486,7 @@
           <p:cNvPr id="2" name="Platshållare för bild 1">
             <a:extLst>
               <a:ext uri="{FF2B5EF4-FFF2-40B4-BE49-F238E27FC236}">
-                <a16:creationId xmlns:a16="http://schemas.microsoft.com/office/drawing/2014/main" id="{CA032D39-4C05-FF8C-9E64-54690E1E1A57}"/>
+                <a16:creationId xmlns:a16="http://schemas.microsoft.com/office/drawing/2014/main" id="{C89EB8AC-7537-F812-DD19-DCD3CC526132}"/>
               </a:ext>
             </a:extLst>
           </p:cNvPr>
@@ -26349,24 +26495,6 @@
           </p:cNvSpPr>
           <p:nvPr>
             <p:ph type="pic" sz="quarter" idx="17"/>
-          </p:nvPr>
-        </p:nvSpPr>
-        <p:spPr/>
-      </p:sp>
-      <p:sp>
-        <p:nvSpPr>
-          <p:cNvPr id="3" name="Rubrik 2">
-            <a:extLst>
-              <a:ext uri="{FF2B5EF4-FFF2-40B4-BE49-F238E27FC236}">
-                <a16:creationId xmlns:a16="http://schemas.microsoft.com/office/drawing/2014/main" id="{2217186F-1DA4-31C7-D4EF-C82F7B9F1EC8}"/>
-              </a:ext>
-            </a:extLst>
-          </p:cNvPr>
-          <p:cNvSpPr>
-            <a:spLocks noGrp="1"/>
-          </p:cNvSpPr>
-          <p:nvPr>
-            <p:ph type="title"/>
           </p:nvPr>
         </p:nvSpPr>
         <p:spPr/>
@@ -26374,19 +26502,16 @@
           <a:bodyPr/>
           <a:lstStyle/>
           <a:p>
-            <a:r>
-              <a:rPr lang="sv-SE" dirty="0"/>
-              <a:t>Examination</a:t>
-            </a:r>
-          </a:p>
-        </p:txBody>
-      </p:sp>
-      <p:sp>
-        <p:nvSpPr>
-          <p:cNvPr id="4" name="Platshållare för innehåll 3">
+            <a:endParaRPr lang="en-US"/>
+          </a:p>
+        </p:txBody>
+      </p:sp>
+      <p:sp>
+        <p:nvSpPr>
+          <p:cNvPr id="3" name="Rubrik 2">
             <a:extLst>
               <a:ext uri="{FF2B5EF4-FFF2-40B4-BE49-F238E27FC236}">
-                <a16:creationId xmlns:a16="http://schemas.microsoft.com/office/drawing/2014/main" id="{8C9F99C9-27C8-E961-8E50-5B3F14ADD0E4}"/>
+                <a16:creationId xmlns:a16="http://schemas.microsoft.com/office/drawing/2014/main" id="{930FD9E5-F398-3ECD-B9B3-07E1813CA63B}"/>
               </a:ext>
             </a:extLst>
           </p:cNvPr>
@@ -26394,7 +26519,7 @@
             <a:spLocks noGrp="1"/>
           </p:cNvSpPr>
           <p:nvPr>
-            <p:ph sz="quarter" idx="12"/>
+            <p:ph type="title"/>
           </p:nvPr>
         </p:nvSpPr>
         <p:spPr/>
@@ -26404,74 +26529,145 @@
           <a:p>
             <a:r>
               <a:rPr lang="sv-SE" dirty="0" err="1"/>
-              <a:t>Written</a:t>
+              <a:t>Additional</a:t>
             </a:r>
             <a:r>
               <a:rPr lang="sv-SE" dirty="0"/>
-              <a:t> DISA </a:t>
+              <a:t> </a:t>
             </a:r>
             <a:r>
               <a:rPr lang="sv-SE" dirty="0" err="1"/>
-              <a:t>exam</a:t>
+              <a:t>resources</a:t>
+            </a:r>
+            <a:endParaRPr lang="sv-SE" dirty="0"/>
+          </a:p>
+        </p:txBody>
+      </p:sp>
+      <p:sp>
+        <p:nvSpPr>
+          <p:cNvPr id="4" name="Platshållare för innehåll 3">
+            <a:extLst>
+              <a:ext uri="{FF2B5EF4-FFF2-40B4-BE49-F238E27FC236}">
+                <a16:creationId xmlns:a16="http://schemas.microsoft.com/office/drawing/2014/main" id="{EBA48341-9B12-44F1-1416-0320533471A4}"/>
+              </a:ext>
+            </a:extLst>
+          </p:cNvPr>
+          <p:cNvSpPr>
+            <a:spLocks noGrp="1"/>
+          </p:cNvSpPr>
+          <p:nvPr>
+            <p:ph sz="quarter" idx="12"/>
+          </p:nvPr>
+        </p:nvSpPr>
+        <p:spPr/>
+        <p:txBody>
+          <a:bodyPr/>
+          <a:lstStyle/>
+          <a:p>
+            <a:r>
+              <a:rPr lang="sv-SE" dirty="0" err="1"/>
+              <a:t>We</a:t>
             </a:r>
             <a:r>
               <a:rPr lang="sv-SE" dirty="0"/>
-              <a:t>: 4 </a:t>
+              <a:t> </a:t>
             </a:r>
             <a:r>
               <a:rPr lang="sv-SE" dirty="0" err="1"/>
-              <a:t>credits</a:t>
+              <a:t>will</a:t>
+            </a:r>
+            <a:r>
+              <a:rPr lang="sv-SE" dirty="0"/>
+              <a:t> </a:t>
+            </a:r>
+            <a:r>
+              <a:rPr lang="sv-SE" dirty="0" err="1"/>
+              <a:t>use</a:t>
+            </a:r>
+            <a:r>
+              <a:rPr lang="sv-SE" dirty="0"/>
+              <a:t> </a:t>
+            </a:r>
+            <a:r>
+              <a:rPr lang="sv-SE" dirty="0" err="1"/>
+              <a:t>some</a:t>
+            </a:r>
+            <a:r>
+              <a:rPr lang="sv-SE" dirty="0"/>
+              <a:t> </a:t>
+            </a:r>
+            <a:r>
+              <a:rPr lang="sv-SE" dirty="0" err="1"/>
+              <a:t>additional</a:t>
+            </a:r>
+            <a:r>
+              <a:rPr lang="sv-SE" dirty="0"/>
+              <a:t> software (</a:t>
+            </a:r>
+            <a:r>
+              <a:rPr lang="sv-SE" dirty="0" err="1"/>
+              <a:t>open</a:t>
+            </a:r>
+            <a:r>
+              <a:rPr lang="sv-SE" dirty="0"/>
+              <a:t> source and </a:t>
+            </a:r>
+            <a:r>
+              <a:rPr lang="sv-SE" dirty="0" err="1"/>
+              <a:t>free</a:t>
+            </a:r>
+            <a:r>
+              <a:rPr lang="sv-SE" dirty="0"/>
+              <a:t>)</a:t>
+            </a:r>
+          </a:p>
+          <a:p>
+            <a:r>
+              <a:rPr lang="sv-SE" dirty="0" err="1"/>
+              <a:t>Additional</a:t>
+            </a:r>
+            <a:r>
+              <a:rPr lang="sv-SE" dirty="0"/>
+              <a:t> </a:t>
+            </a:r>
+            <a:r>
+              <a:rPr lang="sv-SE" dirty="0" err="1"/>
+              <a:t>reading</a:t>
+            </a:r>
+            <a:r>
+              <a:rPr lang="sv-SE" dirty="0"/>
+              <a:t> material (</a:t>
+            </a:r>
+            <a:r>
+              <a:rPr lang="sv-SE" dirty="0" err="1"/>
+              <a:t>articles</a:t>
+            </a:r>
+            <a:r>
+              <a:rPr lang="sv-SE" dirty="0"/>
+              <a:t> and web </a:t>
+            </a:r>
+            <a:r>
+              <a:rPr lang="sv-SE" dirty="0" err="1"/>
+              <a:t>links</a:t>
+            </a:r>
+            <a:r>
+              <a:rPr lang="sv-SE" dirty="0"/>
+              <a:t>) </a:t>
+            </a:r>
+            <a:r>
+              <a:rPr lang="sv-SE" dirty="0" err="1"/>
+              <a:t>will</a:t>
+            </a:r>
+            <a:r>
+              <a:rPr lang="sv-SE" dirty="0"/>
+              <a:t> be </a:t>
+            </a:r>
+            <a:r>
+              <a:rPr lang="sv-SE" dirty="0" err="1"/>
+              <a:t>provided</a:t>
             </a:r>
             <a:endParaRPr lang="sv-SE" dirty="0"/>
           </a:p>
-          <a:p>
-            <a:r>
-              <a:rPr lang="sv-SE" dirty="0" err="1"/>
-              <a:t>Seminairs</a:t>
-            </a:r>
-            <a:r>
-              <a:rPr lang="sv-SE" dirty="0"/>
-              <a:t> and computer sessions</a:t>
-            </a:r>
-          </a:p>
-          <a:p>
-            <a:pPr lvl="1"/>
-            <a:r>
-              <a:rPr lang="sv-SE" dirty="0"/>
-              <a:t>1.5 </a:t>
-            </a:r>
-            <a:r>
-              <a:rPr lang="sv-SE" dirty="0" err="1"/>
-              <a:t>credits</a:t>
-            </a:r>
-            <a:r>
-              <a:rPr lang="sv-SE" dirty="0"/>
-              <a:t> for AGEs part</a:t>
-            </a:r>
-          </a:p>
-          <a:p>
-            <a:pPr lvl="1"/>
-            <a:r>
-              <a:rPr lang="sv-SE" dirty="0"/>
-              <a:t>2 </a:t>
-            </a:r>
-            <a:r>
-              <a:rPr lang="sv-SE" dirty="0" err="1"/>
-              <a:t>credits</a:t>
-            </a:r>
-            <a:r>
-              <a:rPr lang="sv-SE" dirty="0"/>
-              <a:t> for </a:t>
-            </a:r>
-            <a:r>
-              <a:rPr lang="sv-SE" dirty="0" err="1"/>
-              <a:t>EBs</a:t>
-            </a:r>
-            <a:r>
-              <a:rPr lang="sv-SE" dirty="0"/>
-              <a:t> part</a:t>
-            </a:r>
-          </a:p>
         </p:txBody>
       </p:sp>
       <p:sp>
@@ -26479,7 +26675,7 @@
           <p:cNvPr id="5" name="Platshållare för sidfot 4">
             <a:extLst>
               <a:ext uri="{FF2B5EF4-FFF2-40B4-BE49-F238E27FC236}">
-                <a16:creationId xmlns:a16="http://schemas.microsoft.com/office/drawing/2014/main" id="{34A056A5-2471-88DD-AC48-75131DEF3331}"/>
+                <a16:creationId xmlns:a16="http://schemas.microsoft.com/office/drawing/2014/main" id="{6718E8C1-19F2-0F8A-0CCA-ED5358A0D29C}"/>
               </a:ext>
             </a:extLst>
           </p:cNvPr>
@@ -26513,7 +26709,7 @@
     </p:spTree>
     <p:extLst>
       <p:ext uri="{BB962C8B-B14F-4D97-AF65-F5344CB8AC3E}">
-        <p14:creationId xmlns:p14="http://schemas.microsoft.com/office/powerpoint/2010/main" val="2451964502"/>
+        <p14:creationId xmlns:p14="http://schemas.microsoft.com/office/powerpoint/2010/main" val="72046095"/>
       </p:ext>
     </p:extLst>
   </p:cSld>
@@ -26557,7 +26753,7 @@
           <p:cNvPr id="2" name="Platshållare för bild 1">
             <a:extLst>
               <a:ext uri="{FF2B5EF4-FFF2-40B4-BE49-F238E27FC236}">
-                <a16:creationId xmlns:a16="http://schemas.microsoft.com/office/drawing/2014/main" id="{FC0187AC-E81E-459B-1190-2C0309A70DF6}"/>
+                <a16:creationId xmlns:a16="http://schemas.microsoft.com/office/drawing/2014/main" id="{CA032D39-4C05-FF8C-9E64-54690E1E1A57}"/>
               </a:ext>
             </a:extLst>
           </p:cNvPr>
@@ -26573,7 +26769,7 @@
           <a:bodyPr/>
           <a:lstStyle/>
           <a:p>
-            <a:endParaRPr lang="sv-SE"/>
+            <a:endParaRPr lang="en-US"/>
           </a:p>
         </p:txBody>
       </p:sp>
@@ -26582,7 +26778,7 @@
           <p:cNvPr id="3" name="Rubrik 2">
             <a:extLst>
               <a:ext uri="{FF2B5EF4-FFF2-40B4-BE49-F238E27FC236}">
-                <a16:creationId xmlns:a16="http://schemas.microsoft.com/office/drawing/2014/main" id="{F6948A68-9FE5-7D9A-DA0A-397EE9BD61D6}"/>
+                <a16:creationId xmlns:a16="http://schemas.microsoft.com/office/drawing/2014/main" id="{2217186F-1DA4-31C7-D4EF-C82F7B9F1EC8}"/>
               </a:ext>
             </a:extLst>
           </p:cNvPr>
@@ -26600,7 +26796,7 @@
           <a:p>
             <a:r>
               <a:rPr lang="sv-SE" dirty="0"/>
-              <a:t>AI-policy</a:t>
+              <a:t>Examination</a:t>
             </a:r>
           </a:p>
         </p:txBody>
@@ -26610,7 +26806,7 @@
           <p:cNvPr id="4" name="Platshållare för innehåll 3">
             <a:extLst>
               <a:ext uri="{FF2B5EF4-FFF2-40B4-BE49-F238E27FC236}">
-                <a16:creationId xmlns:a16="http://schemas.microsoft.com/office/drawing/2014/main" id="{1D3CF374-1585-75BA-653E-2889CE2C5AB9}"/>
+                <a16:creationId xmlns:a16="http://schemas.microsoft.com/office/drawing/2014/main" id="{8C9F99C9-27C8-E961-8E50-5B3F14ADD0E4}"/>
               </a:ext>
             </a:extLst>
           </p:cNvPr>
@@ -26628,15 +26824,60 @@
           <a:p>
             <a:r>
               <a:rPr lang="sv-SE" dirty="0" err="1"/>
-              <a:t>Use</a:t>
+              <a:t>Written</a:t>
             </a:r>
             <a:r>
               <a:rPr lang="sv-SE" dirty="0"/>
-              <a:t> </a:t>
+              <a:t> DISA </a:t>
             </a:r>
             <a:r>
               <a:rPr lang="sv-SE" dirty="0" err="1"/>
-              <a:t>responsibly</a:t>
+              <a:t>exam</a:t>
+            </a:r>
+            <a:r>
+              <a:rPr lang="sv-SE" dirty="0"/>
+              <a:t>: 4 </a:t>
+            </a:r>
+            <a:r>
+              <a:rPr lang="sv-SE" dirty="0" err="1"/>
+              <a:t>credits</a:t>
+            </a:r>
+            <a:endParaRPr lang="sv-SE" dirty="0"/>
+          </a:p>
+          <a:p>
+            <a:r>
+              <a:rPr lang="sv-SE" dirty="0" err="1"/>
+              <a:t>Seminairs</a:t>
+            </a:r>
+            <a:r>
+              <a:rPr lang="sv-SE" dirty="0"/>
+              <a:t> and computer sessions</a:t>
+            </a:r>
+          </a:p>
+          <a:p>
+            <a:pPr lvl="1"/>
+            <a:r>
+              <a:rPr lang="sv-SE" dirty="0"/>
+              <a:t>1.5 </a:t>
+            </a:r>
+            <a:r>
+              <a:rPr lang="sv-SE" dirty="0" err="1"/>
+              <a:t>credits</a:t>
+            </a:r>
+            <a:r>
+              <a:rPr lang="sv-SE" dirty="0"/>
+              <a:t> for AGEs part</a:t>
+            </a:r>
+          </a:p>
+          <a:p>
+            <a:pPr lvl="1"/>
+            <a:r>
+              <a:rPr lang="sv-SE" dirty="0"/>
+              <a:t>2 </a:t>
+            </a:r>
+            <a:r>
+              <a:rPr lang="sv-SE" dirty="0" err="1"/>
+              <a:t>credits</a:t>
             </a:r>
             <a:r>
               <a:rPr lang="sv-SE" dirty="0"/>
@@ -26644,205 +26885,11 @@
             </a:r>
             <a:r>
               <a:rPr lang="sv-SE" dirty="0" err="1"/>
-              <a:t>self</a:t>
+              <a:t>EBs</a:t>
             </a:r>
             <a:r>
               <a:rPr lang="sv-SE" dirty="0"/>
-              <a:t>-studies and </a:t>
-            </a:r>
-            <a:r>
-              <a:rPr lang="sv-SE" dirty="0" err="1"/>
-              <a:t>some</a:t>
-            </a:r>
-            <a:r>
-              <a:rPr lang="sv-SE" dirty="0"/>
-              <a:t> computer </a:t>
-            </a:r>
-            <a:r>
-              <a:rPr lang="sv-SE" dirty="0" err="1"/>
-              <a:t>exercises</a:t>
-            </a:r>
-            <a:r>
-              <a:rPr lang="sv-SE" dirty="0"/>
-              <a:t> </a:t>
-            </a:r>
-            <a:r>
-              <a:rPr lang="sv-SE" dirty="0" err="1"/>
-              <a:t>but</a:t>
-            </a:r>
-            <a:r>
-              <a:rPr lang="sv-SE" dirty="0"/>
-              <a:t> be transparant </a:t>
-            </a:r>
-            <a:r>
-              <a:rPr lang="sv-SE" dirty="0" err="1"/>
-              <a:t>if</a:t>
-            </a:r>
-            <a:r>
-              <a:rPr lang="sv-SE" dirty="0"/>
-              <a:t> </a:t>
-            </a:r>
-            <a:r>
-              <a:rPr lang="sv-SE" dirty="0" err="1"/>
-              <a:t>you</a:t>
-            </a:r>
-            <a:r>
-              <a:rPr lang="sv-SE" dirty="0"/>
-              <a:t> do …</a:t>
-            </a:r>
-          </a:p>
-          <a:p>
-            <a:r>
-              <a:rPr lang="sv-SE" dirty="0" err="1"/>
-              <a:t>When</a:t>
-            </a:r>
-            <a:r>
-              <a:rPr lang="sv-SE" dirty="0"/>
-              <a:t> </a:t>
-            </a:r>
-            <a:r>
-              <a:rPr lang="sv-SE" dirty="0" err="1"/>
-              <a:t>working</a:t>
-            </a:r>
-            <a:r>
-              <a:rPr lang="sv-SE" dirty="0"/>
-              <a:t> </a:t>
-            </a:r>
-            <a:r>
-              <a:rPr lang="sv-SE" dirty="0" err="1"/>
-              <a:t>with</a:t>
-            </a:r>
-            <a:r>
-              <a:rPr lang="sv-SE" dirty="0"/>
-              <a:t> sensitive data, </a:t>
-            </a:r>
-            <a:r>
-              <a:rPr lang="sv-SE" dirty="0" err="1"/>
-              <a:t>technical</a:t>
-            </a:r>
-            <a:r>
-              <a:rPr lang="sv-SE" dirty="0"/>
-              <a:t> </a:t>
-            </a:r>
-            <a:r>
-              <a:rPr lang="sv-SE" dirty="0" err="1"/>
-              <a:t>restrictions</a:t>
-            </a:r>
-            <a:r>
-              <a:rPr lang="sv-SE" dirty="0"/>
-              <a:t> </a:t>
-            </a:r>
-            <a:r>
-              <a:rPr lang="sv-SE" dirty="0" err="1"/>
-              <a:t>often</a:t>
-            </a:r>
-            <a:r>
-              <a:rPr lang="sv-SE" dirty="0"/>
-              <a:t> </a:t>
-            </a:r>
-            <a:r>
-              <a:rPr lang="sv-SE" dirty="0" err="1"/>
-              <a:t>applies</a:t>
-            </a:r>
-            <a:r>
-              <a:rPr lang="sv-SE" dirty="0"/>
-              <a:t> to </a:t>
-            </a:r>
-            <a:r>
-              <a:rPr lang="sv-SE" dirty="0" err="1"/>
-              <a:t>secure</a:t>
-            </a:r>
-            <a:r>
-              <a:rPr lang="sv-SE" dirty="0"/>
-              <a:t> </a:t>
-            </a:r>
-            <a:r>
-              <a:rPr lang="sv-SE" dirty="0" err="1"/>
-              <a:t>working</a:t>
-            </a:r>
-            <a:r>
-              <a:rPr lang="sv-SE" dirty="0"/>
-              <a:t> </a:t>
-            </a:r>
-            <a:r>
-              <a:rPr lang="sv-SE" dirty="0" err="1"/>
-              <a:t>environment</a:t>
-            </a:r>
-            <a:r>
-              <a:rPr lang="sv-SE" dirty="0"/>
-              <a:t>. </a:t>
-            </a:r>
-            <a:r>
-              <a:rPr lang="sv-SE" dirty="0" err="1"/>
-              <a:t>Don’t</a:t>
-            </a:r>
-            <a:r>
-              <a:rPr lang="sv-SE" dirty="0"/>
-              <a:t> get </a:t>
-            </a:r>
-            <a:r>
-              <a:rPr lang="sv-SE" dirty="0" err="1"/>
-              <a:t>dependent</a:t>
-            </a:r>
-            <a:r>
-              <a:rPr lang="sv-SE" dirty="0"/>
-              <a:t> on </a:t>
-            </a:r>
-            <a:r>
-              <a:rPr lang="sv-SE" dirty="0" err="1"/>
-              <a:t>tools</a:t>
-            </a:r>
-            <a:r>
-              <a:rPr lang="sv-SE" dirty="0"/>
-              <a:t> </a:t>
-            </a:r>
-            <a:r>
-              <a:rPr lang="sv-SE" dirty="0" err="1"/>
-              <a:t>you</a:t>
-            </a:r>
-            <a:r>
-              <a:rPr lang="sv-SE" dirty="0"/>
-              <a:t> </a:t>
-            </a:r>
-            <a:r>
-              <a:rPr lang="sv-SE" dirty="0" err="1"/>
-              <a:t>can</a:t>
-            </a:r>
-            <a:r>
-              <a:rPr lang="sv-SE" dirty="0"/>
-              <a:t> not </a:t>
-            </a:r>
-            <a:r>
-              <a:rPr lang="sv-SE" dirty="0" err="1"/>
-              <a:t>use</a:t>
-            </a:r>
-            <a:r>
-              <a:rPr lang="sv-SE" dirty="0"/>
-              <a:t> in </a:t>
-            </a:r>
-            <a:r>
-              <a:rPr lang="sv-SE" dirty="0" err="1"/>
-              <a:t>your</a:t>
-            </a:r>
-            <a:r>
-              <a:rPr lang="sv-SE" dirty="0"/>
-              <a:t> </a:t>
-            </a:r>
-            <a:r>
-              <a:rPr lang="sv-SE" dirty="0" err="1"/>
-              <a:t>future</a:t>
-            </a:r>
-            <a:r>
-              <a:rPr lang="sv-SE" dirty="0"/>
-              <a:t> </a:t>
-            </a:r>
-            <a:r>
-              <a:rPr lang="sv-SE" dirty="0" err="1"/>
-              <a:t>work</a:t>
-            </a:r>
-            <a:r>
-              <a:rPr lang="sv-SE" dirty="0"/>
-              <a:t>!</a:t>
+              <a:t> part</a:t>
             </a:r>
           </a:p>
         </p:txBody>
@@ -26852,7 +26899,7 @@
           <p:cNvPr id="5" name="Platshållare för sidfot 4">
             <a:extLst>
               <a:ext uri="{FF2B5EF4-FFF2-40B4-BE49-F238E27FC236}">
-                <a16:creationId xmlns:a16="http://schemas.microsoft.com/office/drawing/2014/main" id="{0B02F632-65E0-4CF2-E01E-A2E3BC67B30F}"/>
+                <a16:creationId xmlns:a16="http://schemas.microsoft.com/office/drawing/2014/main" id="{34A056A5-2471-88DD-AC48-75131DEF3331}"/>
               </a:ext>
             </a:extLst>
           </p:cNvPr>
@@ -26886,7 +26933,7 @@
     </p:spTree>
     <p:extLst>
       <p:ext uri="{BB962C8B-B14F-4D97-AF65-F5344CB8AC3E}">
-        <p14:creationId xmlns:p14="http://schemas.microsoft.com/office/powerpoint/2010/main" val="322329158"/>
+        <p14:creationId xmlns:p14="http://schemas.microsoft.com/office/powerpoint/2010/main" val="2451964502"/>
       </p:ext>
     </p:extLst>
   </p:cSld>
@@ -26930,7 +26977,7 @@
           <p:cNvPr id="2" name="Platshållare för bild 1">
             <a:extLst>
               <a:ext uri="{FF2B5EF4-FFF2-40B4-BE49-F238E27FC236}">
-                <a16:creationId xmlns:a16="http://schemas.microsoft.com/office/drawing/2014/main" id="{8EA3E915-CE5B-C6E7-F0B2-035312922BCC}"/>
+                <a16:creationId xmlns:a16="http://schemas.microsoft.com/office/drawing/2014/main" id="{FC0187AC-E81E-459B-1190-2C0309A70DF6}"/>
               </a:ext>
             </a:extLst>
           </p:cNvPr>
@@ -26955,7 +27002,7 @@
           <p:cNvPr id="3" name="Rubrik 2">
             <a:extLst>
               <a:ext uri="{FF2B5EF4-FFF2-40B4-BE49-F238E27FC236}">
-                <a16:creationId xmlns:a16="http://schemas.microsoft.com/office/drawing/2014/main" id="{BAE55488-1F34-1335-2F8A-805B1C5921EF}"/>
+                <a16:creationId xmlns:a16="http://schemas.microsoft.com/office/drawing/2014/main" id="{F6948A68-9FE5-7D9A-DA0A-397EE9BD61D6}"/>
               </a:ext>
             </a:extLst>
           </p:cNvPr>
@@ -26973,7 +27020,7 @@
           <a:p>
             <a:r>
               <a:rPr lang="sv-SE" dirty="0"/>
-              <a:t>Canvas</a:t>
+              <a:t>AI-policy</a:t>
             </a:r>
           </a:p>
         </p:txBody>
@@ -26983,7 +27030,7 @@
           <p:cNvPr id="4" name="Platshållare för innehåll 3">
             <a:extLst>
               <a:ext uri="{FF2B5EF4-FFF2-40B4-BE49-F238E27FC236}">
-                <a16:creationId xmlns:a16="http://schemas.microsoft.com/office/drawing/2014/main" id="{6B6A0679-3B9A-1522-4557-2BE36C196A43}"/>
+                <a16:creationId xmlns:a16="http://schemas.microsoft.com/office/drawing/2014/main" id="{1D3CF374-1585-75BA-653E-2889CE2C5AB9}"/>
               </a:ext>
             </a:extLst>
           </p:cNvPr>
@@ -27000,20 +27047,40 @@
           <a:lstStyle/>
           <a:p>
             <a:r>
-              <a:rPr lang="sv-SE" dirty="0">
-                <a:hlinkClick r:id="rId2"/>
-              </a:rPr>
-              <a:t>https://canvas.gu.se/courses/97348</a:t>
+              <a:rPr lang="sv-SE" dirty="0" err="1"/>
+              <a:t>Use</a:t>
             </a:r>
             <a:r>
               <a:rPr lang="sv-SE" dirty="0"/>
               <a:t> </a:t>
             </a:r>
-          </a:p>
-          <a:p>
             <a:r>
               <a:rPr lang="sv-SE" dirty="0" err="1"/>
-              <a:t>Where</a:t>
+              <a:t>responsibly</a:t>
+            </a:r>
+            <a:r>
+              <a:rPr lang="sv-SE" dirty="0"/>
+              <a:t> for </a:t>
+            </a:r>
+            <a:r>
+              <a:rPr lang="sv-SE" dirty="0" err="1"/>
+              <a:t>self</a:t>
+            </a:r>
+            <a:r>
+              <a:rPr lang="sv-SE" dirty="0"/>
+              <a:t>-studies and </a:t>
+            </a:r>
+            <a:r>
+              <a:rPr lang="sv-SE" dirty="0" err="1"/>
+              <a:t>some</a:t>
+            </a:r>
+            <a:r>
+              <a:rPr lang="sv-SE" dirty="0"/>
+              <a:t> computer </a:t>
+            </a:r>
+            <a:r>
+              <a:rPr lang="sv-SE" dirty="0" err="1"/>
+              <a:t>exercises</a:t>
             </a:r>
             <a:r>
               <a:rPr lang="sv-SE" dirty="0"/>
@@ -27021,7 +27088,15 @@
             </a:r>
             <a:r>
               <a:rPr lang="sv-SE" dirty="0" err="1"/>
-              <a:t>you</a:t>
+              <a:t>but</a:t>
+            </a:r>
+            <a:r>
+              <a:rPr lang="sv-SE" dirty="0"/>
+              <a:t> be transparant </a:t>
+            </a:r>
+            <a:r>
+              <a:rPr lang="sv-SE" dirty="0" err="1"/>
+              <a:t>if</a:t>
             </a:r>
             <a:r>
               <a:rPr lang="sv-SE" dirty="0"/>
@@ -27029,7 +27104,17 @@
             </a:r>
             <a:r>
               <a:rPr lang="sv-SE" dirty="0" err="1"/>
-              <a:t>will</a:t>
+              <a:t>you</a:t>
+            </a:r>
+            <a:r>
+              <a:rPr lang="sv-SE" dirty="0"/>
+              <a:t> do …</a:t>
+            </a:r>
+          </a:p>
+          <a:p>
+            <a:r>
+              <a:rPr lang="sv-SE" dirty="0" err="1"/>
+              <a:t>When</a:t>
             </a:r>
             <a:r>
               <a:rPr lang="sv-SE" dirty="0"/>
@@ -27037,7 +27122,7 @@
             </a:r>
             <a:r>
               <a:rPr lang="sv-SE" dirty="0" err="1"/>
-              <a:t>also</a:t>
+              <a:t>working</a:t>
             </a:r>
             <a:r>
               <a:rPr lang="sv-SE" dirty="0"/>
@@ -27045,7 +27130,15 @@
             </a:r>
             <a:r>
               <a:rPr lang="sv-SE" dirty="0" err="1"/>
-              <a:t>find</a:t>
+              <a:t>with</a:t>
+            </a:r>
+            <a:r>
+              <a:rPr lang="sv-SE" dirty="0"/>
+              <a:t> sensitive data, </a:t>
+            </a:r>
+            <a:r>
+              <a:rPr lang="sv-SE" dirty="0" err="1"/>
+              <a:t>technical</a:t>
             </a:r>
             <a:r>
               <a:rPr lang="sv-SE" dirty="0"/>
@@ -27053,7 +27146,23 @@
             </a:r>
             <a:r>
               <a:rPr lang="sv-SE" dirty="0" err="1"/>
-              <a:t>links</a:t>
+              <a:t>restrictions</a:t>
+            </a:r>
+            <a:r>
+              <a:rPr lang="sv-SE" dirty="0"/>
+              <a:t> </a:t>
+            </a:r>
+            <a:r>
+              <a:rPr lang="sv-SE" dirty="0" err="1"/>
+              <a:t>often</a:t>
+            </a:r>
+            <a:r>
+              <a:rPr lang="sv-SE" dirty="0"/>
+              <a:t> </a:t>
+            </a:r>
+            <a:r>
+              <a:rPr lang="sv-SE" dirty="0" err="1"/>
+              <a:t>applies</a:t>
             </a:r>
             <a:r>
               <a:rPr lang="sv-SE" dirty="0"/>
@@ -27061,25 +27170,95 @@
             </a:r>
             <a:r>
               <a:rPr lang="sv-SE" dirty="0" err="1"/>
-              <a:t>schedule</a:t>
+              <a:t>secure</a:t>
             </a:r>
             <a:r>
               <a:rPr lang="sv-SE" dirty="0"/>
-              <a:t> etc.</a:t>
-            </a:r>
-          </a:p>
-          <a:p>
+              <a:t> </a:t>
+            </a:r>
             <a:r>
               <a:rPr lang="sv-SE" dirty="0" err="1"/>
-              <a:t>Navigate</a:t>
+              <a:t>working</a:t>
             </a:r>
             <a:r>
               <a:rPr lang="sv-SE" dirty="0"/>
-              <a:t> the </a:t>
+              <a:t> </a:t>
             </a:r>
             <a:r>
               <a:rPr lang="sv-SE" dirty="0" err="1"/>
-              <a:t>modules</a:t>
+              <a:t>environment</a:t>
+            </a:r>
+            <a:r>
+              <a:rPr lang="sv-SE" dirty="0"/>
+              <a:t>. </a:t>
+            </a:r>
+            <a:r>
+              <a:rPr lang="sv-SE" dirty="0" err="1"/>
+              <a:t>Don’t</a:t>
+            </a:r>
+            <a:r>
+              <a:rPr lang="sv-SE" dirty="0"/>
+              <a:t> get </a:t>
+            </a:r>
+            <a:r>
+              <a:rPr lang="sv-SE" dirty="0" err="1"/>
+              <a:t>dependent</a:t>
+            </a:r>
+            <a:r>
+              <a:rPr lang="sv-SE" dirty="0"/>
+              <a:t> on </a:t>
+            </a:r>
+            <a:r>
+              <a:rPr lang="sv-SE" dirty="0" err="1"/>
+              <a:t>tools</a:t>
+            </a:r>
+            <a:r>
+              <a:rPr lang="sv-SE" dirty="0"/>
+              <a:t> </a:t>
+            </a:r>
+            <a:r>
+              <a:rPr lang="sv-SE" dirty="0" err="1"/>
+              <a:t>you</a:t>
+            </a:r>
+            <a:r>
+              <a:rPr lang="sv-SE" dirty="0"/>
+              <a:t> </a:t>
+            </a:r>
+            <a:r>
+              <a:rPr lang="sv-SE" dirty="0" err="1"/>
+              <a:t>can</a:t>
+            </a:r>
+            <a:r>
+              <a:rPr lang="sv-SE" dirty="0"/>
+              <a:t> not </a:t>
+            </a:r>
+            <a:r>
+              <a:rPr lang="sv-SE" dirty="0" err="1"/>
+              <a:t>use</a:t>
+            </a:r>
+            <a:r>
+              <a:rPr lang="sv-SE" dirty="0"/>
+              <a:t> in </a:t>
+            </a:r>
+            <a:r>
+              <a:rPr lang="sv-SE" dirty="0" err="1"/>
+              <a:t>your</a:t>
+            </a:r>
+            <a:r>
+              <a:rPr lang="sv-SE" dirty="0"/>
+              <a:t> </a:t>
+            </a:r>
+            <a:r>
+              <a:rPr lang="sv-SE" dirty="0" err="1"/>
+              <a:t>future</a:t>
+            </a:r>
+            <a:r>
+              <a:rPr lang="sv-SE" dirty="0"/>
+              <a:t> </a:t>
+            </a:r>
+            <a:r>
+              <a:rPr lang="sv-SE" dirty="0" err="1"/>
+              <a:t>work</a:t>
             </a:r>
             <a:r>
               <a:rPr lang="sv-SE" dirty="0"/>
@@ -27093,7 +27272,7 @@
           <p:cNvPr id="5" name="Platshållare för sidfot 4">
             <a:extLst>
               <a:ext uri="{FF2B5EF4-FFF2-40B4-BE49-F238E27FC236}">
-                <a16:creationId xmlns:a16="http://schemas.microsoft.com/office/drawing/2014/main" id="{71120C23-1924-C5AC-93D4-237A239084AF}"/>
+                <a16:creationId xmlns:a16="http://schemas.microsoft.com/office/drawing/2014/main" id="{0B02F632-65E0-4CF2-E01E-A2E3BC67B30F}"/>
               </a:ext>
             </a:extLst>
           </p:cNvPr>
@@ -27127,7 +27306,562 @@
     </p:spTree>
     <p:extLst>
       <p:ext uri="{BB962C8B-B14F-4D97-AF65-F5344CB8AC3E}">
+        <p14:creationId xmlns:p14="http://schemas.microsoft.com/office/powerpoint/2010/main" val="322329158"/>
+      </p:ext>
+    </p:extLst>
+  </p:cSld>
+  <p:clrMapOvr>
+    <a:masterClrMapping/>
+  </p:clrMapOvr>
+  <mc:AlternateContent xmlns:mc="http://schemas.openxmlformats.org/markup-compatibility/2006" xmlns:p14="http://schemas.microsoft.com/office/powerpoint/2010/main">
+    <mc:Choice Requires="p14">
+      <p:transition p14:dur="200">
+        <p:fade/>
+      </p:transition>
+    </mc:Choice>
+    <mc:Fallback xmlns="">
+      <p:transition>
+        <p:fade/>
+      </p:transition>
+    </mc:Fallback>
+  </mc:AlternateContent>
+</p:sld>
+</file>
+
+<file path=ppt/slides/slide14.xml><?xml version="1.0" encoding="utf-8"?>
+<p:sld xmlns:a="http://schemas.openxmlformats.org/drawingml/2006/main" xmlns:r="http://schemas.openxmlformats.org/officeDocument/2006/relationships" xmlns:p="http://schemas.openxmlformats.org/presentationml/2006/main">
+  <p:cSld>
+    <p:spTree>
+      <p:nvGrpSpPr>
+        <p:cNvPr id="1" name=""/>
+        <p:cNvGrpSpPr/>
+        <p:nvPr/>
+      </p:nvGrpSpPr>
+      <p:grpSpPr>
+        <a:xfrm>
+          <a:off x="0" y="0"/>
+          <a:ext cx="0" cy="0"/>
+          <a:chOff x="0" y="0"/>
+          <a:chExt cx="0" cy="0"/>
+        </a:xfrm>
+      </p:grpSpPr>
+      <p:sp>
+        <p:nvSpPr>
+          <p:cNvPr id="2" name="Platshållare för bild 1">
+            <a:extLst>
+              <a:ext uri="{FF2B5EF4-FFF2-40B4-BE49-F238E27FC236}">
+                <a16:creationId xmlns:a16="http://schemas.microsoft.com/office/drawing/2014/main" id="{8EA3E915-CE5B-C6E7-F0B2-035312922BCC}"/>
+              </a:ext>
+            </a:extLst>
+          </p:cNvPr>
+          <p:cNvSpPr>
+            <a:spLocks noGrp="1"/>
+          </p:cNvSpPr>
+          <p:nvPr>
+            <p:ph type="pic" sz="quarter" idx="17"/>
+          </p:nvPr>
+        </p:nvSpPr>
+        <p:spPr/>
+        <p:txBody>
+          <a:bodyPr/>
+          <a:lstStyle/>
+          <a:p>
+            <a:endParaRPr lang="sv-SE"/>
+          </a:p>
+        </p:txBody>
+      </p:sp>
+      <p:sp>
+        <p:nvSpPr>
+          <p:cNvPr id="3" name="Rubrik 2">
+            <a:extLst>
+              <a:ext uri="{FF2B5EF4-FFF2-40B4-BE49-F238E27FC236}">
+                <a16:creationId xmlns:a16="http://schemas.microsoft.com/office/drawing/2014/main" id="{BAE55488-1F34-1335-2F8A-805B1C5921EF}"/>
+              </a:ext>
+            </a:extLst>
+          </p:cNvPr>
+          <p:cNvSpPr>
+            <a:spLocks noGrp="1"/>
+          </p:cNvSpPr>
+          <p:nvPr>
+            <p:ph type="title"/>
+          </p:nvPr>
+        </p:nvSpPr>
+        <p:spPr/>
+        <p:txBody>
+          <a:bodyPr/>
+          <a:lstStyle/>
+          <a:p>
+            <a:r>
+              <a:rPr lang="sv-SE" dirty="0"/>
+              <a:t>Canvas</a:t>
+            </a:r>
+          </a:p>
+        </p:txBody>
+      </p:sp>
+      <p:sp>
+        <p:nvSpPr>
+          <p:cNvPr id="4" name="Platshållare för innehåll 3">
+            <a:extLst>
+              <a:ext uri="{FF2B5EF4-FFF2-40B4-BE49-F238E27FC236}">
+                <a16:creationId xmlns:a16="http://schemas.microsoft.com/office/drawing/2014/main" id="{6B6A0679-3B9A-1522-4557-2BE36C196A43}"/>
+              </a:ext>
+            </a:extLst>
+          </p:cNvPr>
+          <p:cNvSpPr>
+            <a:spLocks noGrp="1"/>
+          </p:cNvSpPr>
+          <p:nvPr>
+            <p:ph sz="quarter" idx="12"/>
+          </p:nvPr>
+        </p:nvSpPr>
+        <p:spPr/>
+        <p:txBody>
+          <a:bodyPr/>
+          <a:lstStyle/>
+          <a:p>
+            <a:r>
+              <a:rPr lang="sv-SE" dirty="0">
+                <a:hlinkClick r:id="rId2"/>
+              </a:rPr>
+              <a:t>https://canvas.gu.se/courses/97348</a:t>
+            </a:r>
+            <a:r>
+              <a:rPr lang="sv-SE" dirty="0"/>
+              <a:t> </a:t>
+            </a:r>
+          </a:p>
+          <a:p>
+            <a:r>
+              <a:rPr lang="sv-SE" dirty="0" err="1"/>
+              <a:t>Where</a:t>
+            </a:r>
+            <a:r>
+              <a:rPr lang="sv-SE" dirty="0"/>
+              <a:t> </a:t>
+            </a:r>
+            <a:r>
+              <a:rPr lang="sv-SE" dirty="0" err="1"/>
+              <a:t>you</a:t>
+            </a:r>
+            <a:r>
+              <a:rPr lang="sv-SE" dirty="0"/>
+              <a:t> </a:t>
+            </a:r>
+            <a:r>
+              <a:rPr lang="sv-SE" dirty="0" err="1"/>
+              <a:t>will</a:t>
+            </a:r>
+            <a:r>
+              <a:rPr lang="sv-SE" dirty="0"/>
+              <a:t> </a:t>
+            </a:r>
+            <a:r>
+              <a:rPr lang="sv-SE" dirty="0" err="1"/>
+              <a:t>also</a:t>
+            </a:r>
+            <a:r>
+              <a:rPr lang="sv-SE" dirty="0"/>
+              <a:t> </a:t>
+            </a:r>
+            <a:r>
+              <a:rPr lang="sv-SE" dirty="0" err="1"/>
+              <a:t>find</a:t>
+            </a:r>
+            <a:r>
+              <a:rPr lang="sv-SE" dirty="0"/>
+              <a:t> </a:t>
+            </a:r>
+            <a:r>
+              <a:rPr lang="sv-SE" dirty="0" err="1"/>
+              <a:t>links</a:t>
+            </a:r>
+            <a:r>
+              <a:rPr lang="sv-SE" dirty="0"/>
+              <a:t> to </a:t>
+            </a:r>
+            <a:r>
+              <a:rPr lang="sv-SE" dirty="0" err="1"/>
+              <a:t>schedule</a:t>
+            </a:r>
+            <a:r>
+              <a:rPr lang="sv-SE" dirty="0"/>
+              <a:t> etc.</a:t>
+            </a:r>
+          </a:p>
+          <a:p>
+            <a:r>
+              <a:rPr lang="sv-SE" dirty="0" err="1"/>
+              <a:t>Navigate</a:t>
+            </a:r>
+            <a:r>
+              <a:rPr lang="sv-SE" dirty="0"/>
+              <a:t> the </a:t>
+            </a:r>
+            <a:r>
+              <a:rPr lang="sv-SE" dirty="0" err="1"/>
+              <a:t>modules</a:t>
+            </a:r>
+            <a:r>
+              <a:rPr lang="sv-SE" dirty="0"/>
+              <a:t>!</a:t>
+            </a:r>
+          </a:p>
+        </p:txBody>
+      </p:sp>
+      <p:sp>
+        <p:nvSpPr>
+          <p:cNvPr id="5" name="Platshållare för sidfot 4">
+            <a:extLst>
+              <a:ext uri="{FF2B5EF4-FFF2-40B4-BE49-F238E27FC236}">
+                <a16:creationId xmlns:a16="http://schemas.microsoft.com/office/drawing/2014/main" id="{71120C23-1924-C5AC-93D4-237A239084AF}"/>
+              </a:ext>
+            </a:extLst>
+          </p:cNvPr>
+          <p:cNvSpPr>
+            <a:spLocks noGrp="1"/>
+          </p:cNvSpPr>
+          <p:nvPr>
+            <p:ph type="ftr" sz="quarter" idx="3"/>
+          </p:nvPr>
+        </p:nvSpPr>
+        <p:spPr/>
+        <p:txBody>
+          <a:bodyPr/>
+          <a:lstStyle/>
+          <a:p>
+            <a:pPr eaLnBrk="0" hangingPunct="0">
+              <a:spcBef>
+                <a:spcPts val="0"/>
+              </a:spcBef>
+              <a:buFont typeface="Arial" charset="0"/>
+              <a:buNone/>
+            </a:pPr>
+            <a:r>
+              <a:rPr lang="en"/>
+              <a:t>|      SAHLGRENSKA ACADEMY</a:t>
+            </a:r>
+            <a:endParaRPr lang="en" dirty="0"/>
+          </a:p>
+        </p:txBody>
+      </p:sp>
+    </p:spTree>
+    <p:extLst>
+      <p:ext uri="{BB962C8B-B14F-4D97-AF65-F5344CB8AC3E}">
         <p14:creationId xmlns:p14="http://schemas.microsoft.com/office/powerpoint/2010/main" val="1522375362"/>
+      </p:ext>
+    </p:extLst>
+  </p:cSld>
+  <p:clrMapOvr>
+    <a:masterClrMapping/>
+  </p:clrMapOvr>
+  <mc:AlternateContent xmlns:mc="http://schemas.openxmlformats.org/markup-compatibility/2006" xmlns:p14="http://schemas.microsoft.com/office/powerpoint/2010/main">
+    <mc:Choice Requires="p14">
+      <p:transition p14:dur="200">
+        <p:fade/>
+      </p:transition>
+    </mc:Choice>
+    <mc:Fallback xmlns="">
+      <p:transition>
+        <p:fade/>
+      </p:transition>
+    </mc:Fallback>
+  </mc:AlternateContent>
+</p:sld>
+</file>
+
+<file path=ppt/slides/slide15.xml><?xml version="1.0" encoding="utf-8"?>
+<p:sld xmlns:a="http://schemas.openxmlformats.org/drawingml/2006/main" xmlns:r="http://schemas.openxmlformats.org/officeDocument/2006/relationships" xmlns:p="http://schemas.openxmlformats.org/presentationml/2006/main">
+  <p:cSld>
+    <p:spTree>
+      <p:nvGrpSpPr>
+        <p:cNvPr id="1" name=""/>
+        <p:cNvGrpSpPr/>
+        <p:nvPr/>
+      </p:nvGrpSpPr>
+      <p:grpSpPr>
+        <a:xfrm>
+          <a:off x="0" y="0"/>
+          <a:ext cx="0" cy="0"/>
+          <a:chOff x="0" y="0"/>
+          <a:chExt cx="0" cy="0"/>
+        </a:xfrm>
+      </p:grpSpPr>
+      <p:sp>
+        <p:nvSpPr>
+          <p:cNvPr id="2" name="Platshållare för bild 1">
+            <a:extLst>
+              <a:ext uri="{FF2B5EF4-FFF2-40B4-BE49-F238E27FC236}">
+                <a16:creationId xmlns:a16="http://schemas.microsoft.com/office/drawing/2014/main" id="{EFAF60FA-2E94-0B03-A2E6-435441EE2E79}"/>
+              </a:ext>
+            </a:extLst>
+          </p:cNvPr>
+          <p:cNvSpPr>
+            <a:spLocks noGrp="1"/>
+          </p:cNvSpPr>
+          <p:nvPr>
+            <p:ph type="pic" sz="quarter" idx="17"/>
+          </p:nvPr>
+        </p:nvSpPr>
+        <p:spPr/>
+      </p:sp>
+      <p:sp>
+        <p:nvSpPr>
+          <p:cNvPr id="3" name="Rubrik 2">
+            <a:extLst>
+              <a:ext uri="{FF2B5EF4-FFF2-40B4-BE49-F238E27FC236}">
+                <a16:creationId xmlns:a16="http://schemas.microsoft.com/office/drawing/2014/main" id="{F3BCA6E1-2195-0B12-E5DC-FC8E1545CDE8}"/>
+              </a:ext>
+            </a:extLst>
+          </p:cNvPr>
+          <p:cNvSpPr>
+            <a:spLocks noGrp="1"/>
+          </p:cNvSpPr>
+          <p:nvPr>
+            <p:ph type="title"/>
+          </p:nvPr>
+        </p:nvSpPr>
+        <p:spPr/>
+        <p:txBody>
+          <a:bodyPr/>
+          <a:lstStyle/>
+          <a:p>
+            <a:r>
+              <a:rPr lang="sv-SE" dirty="0" err="1"/>
+              <a:t>External</a:t>
+            </a:r>
+            <a:r>
+              <a:rPr lang="sv-SE" dirty="0"/>
+              <a:t> web page</a:t>
+            </a:r>
+          </a:p>
+        </p:txBody>
+      </p:sp>
+      <p:sp>
+        <p:nvSpPr>
+          <p:cNvPr id="4" name="Platshållare för innehåll 3">
+            <a:extLst>
+              <a:ext uri="{FF2B5EF4-FFF2-40B4-BE49-F238E27FC236}">
+                <a16:creationId xmlns:a16="http://schemas.microsoft.com/office/drawing/2014/main" id="{63880520-7618-4A06-27ED-AA0243FA7EF3}"/>
+              </a:ext>
+            </a:extLst>
+          </p:cNvPr>
+          <p:cNvSpPr>
+            <a:spLocks noGrp="1"/>
+          </p:cNvSpPr>
+          <p:nvPr>
+            <p:ph sz="quarter" idx="12"/>
+          </p:nvPr>
+        </p:nvSpPr>
+        <p:spPr/>
+        <p:txBody>
+          <a:bodyPr/>
+          <a:lstStyle/>
+          <a:p>
+            <a:r>
+              <a:rPr lang="sv-SE" dirty="0"/>
+              <a:t>For the </a:t>
+            </a:r>
+            <a:r>
+              <a:rPr lang="sv-SE" dirty="0" err="1"/>
+              <a:t>healt</a:t>
+            </a:r>
+            <a:r>
+              <a:rPr lang="sv-SE" dirty="0"/>
+              <a:t> data part, </a:t>
+            </a:r>
+            <a:r>
+              <a:rPr lang="sv-SE" dirty="0" err="1"/>
+              <a:t>most</a:t>
+            </a:r>
+            <a:r>
+              <a:rPr lang="sv-SE" dirty="0"/>
+              <a:t> parts </a:t>
+            </a:r>
+            <a:r>
+              <a:rPr lang="sv-SE" dirty="0" err="1"/>
+              <a:t>of</a:t>
+            </a:r>
+            <a:r>
+              <a:rPr lang="sv-SE" dirty="0"/>
+              <a:t> the </a:t>
+            </a:r>
+            <a:r>
+              <a:rPr lang="sv-SE" dirty="0" err="1"/>
+              <a:t>documentation</a:t>
+            </a:r>
+            <a:r>
+              <a:rPr lang="sv-SE" dirty="0"/>
+              <a:t> is </a:t>
+            </a:r>
+            <a:r>
+              <a:rPr lang="sv-SE" dirty="0" err="1"/>
+              <a:t>publically</a:t>
+            </a:r>
+            <a:r>
+              <a:rPr lang="sv-SE" dirty="0"/>
+              <a:t> </a:t>
+            </a:r>
+            <a:r>
+              <a:rPr lang="sv-SE" dirty="0" err="1"/>
+              <a:t>avaiable</a:t>
+            </a:r>
+            <a:r>
+              <a:rPr lang="sv-SE" dirty="0"/>
+              <a:t> </a:t>
+            </a:r>
+            <a:r>
+              <a:rPr lang="sv-SE" dirty="0" err="1"/>
+              <a:t>here</a:t>
+            </a:r>
+            <a:r>
+              <a:rPr lang="sv-SE" dirty="0"/>
+              <a:t>: </a:t>
+            </a:r>
+            <a:r>
+              <a:rPr lang="sv-SE" dirty="0">
+                <a:hlinkClick r:id="rId2"/>
+              </a:rPr>
+              <a:t>https://sta220.github.io/documentation/</a:t>
+            </a:r>
+            <a:endParaRPr lang="sv-SE" dirty="0"/>
+          </a:p>
+          <a:p>
+            <a:r>
+              <a:rPr lang="sv-SE" dirty="0"/>
+              <a:t>Links </a:t>
+            </a:r>
+            <a:r>
+              <a:rPr lang="sv-SE" dirty="0" err="1"/>
+              <a:t>are</a:t>
+            </a:r>
+            <a:r>
+              <a:rPr lang="sv-SE" dirty="0"/>
+              <a:t> </a:t>
+            </a:r>
+            <a:r>
+              <a:rPr lang="sv-SE" dirty="0" err="1"/>
+              <a:t>provided</a:t>
+            </a:r>
+            <a:r>
+              <a:rPr lang="sv-SE" dirty="0"/>
+              <a:t> from </a:t>
+            </a:r>
+            <a:r>
+              <a:rPr lang="sv-SE" dirty="0" err="1"/>
+              <a:t>within</a:t>
+            </a:r>
+            <a:r>
+              <a:rPr lang="sv-SE" dirty="0"/>
+              <a:t> the Canvas </a:t>
+            </a:r>
+            <a:r>
+              <a:rPr lang="sv-SE" dirty="0" err="1"/>
+              <a:t>modules</a:t>
+            </a:r>
+            <a:r>
+              <a:rPr lang="sv-SE" dirty="0"/>
+              <a:t>.</a:t>
+            </a:r>
+          </a:p>
+          <a:p>
+            <a:r>
+              <a:rPr lang="sv-SE" dirty="0"/>
+              <a:t>PDF:s to </a:t>
+            </a:r>
+            <a:r>
+              <a:rPr lang="sv-SE" dirty="0" err="1"/>
+              <a:t>additional</a:t>
+            </a:r>
+            <a:r>
+              <a:rPr lang="sv-SE" dirty="0"/>
+              <a:t> </a:t>
+            </a:r>
+            <a:r>
+              <a:rPr lang="sv-SE" dirty="0" err="1"/>
+              <a:t>reading</a:t>
+            </a:r>
+            <a:r>
+              <a:rPr lang="sv-SE" dirty="0"/>
+              <a:t> </a:t>
+            </a:r>
+            <a:r>
+              <a:rPr lang="sv-SE" dirty="0" err="1"/>
+              <a:t>are</a:t>
+            </a:r>
+            <a:r>
+              <a:rPr lang="sv-SE" dirty="0"/>
+              <a:t> </a:t>
+            </a:r>
+            <a:r>
+              <a:rPr lang="sv-SE" dirty="0" err="1"/>
+              <a:t>also</a:t>
+            </a:r>
+            <a:r>
+              <a:rPr lang="sv-SE" dirty="0"/>
+              <a:t> </a:t>
+            </a:r>
+            <a:r>
+              <a:rPr lang="sv-SE" dirty="0" err="1"/>
+              <a:t>provided</a:t>
+            </a:r>
+            <a:r>
+              <a:rPr lang="sv-SE" dirty="0"/>
+              <a:t> </a:t>
+            </a:r>
+            <a:r>
+              <a:rPr lang="sv-SE" dirty="0" err="1"/>
+              <a:t>through</a:t>
+            </a:r>
+            <a:r>
+              <a:rPr lang="sv-SE" dirty="0"/>
+              <a:t> Canvas</a:t>
+            </a:r>
+          </a:p>
+          <a:p>
+            <a:endParaRPr lang="sv-SE" dirty="0"/>
+          </a:p>
+        </p:txBody>
+      </p:sp>
+      <p:sp>
+        <p:nvSpPr>
+          <p:cNvPr id="5" name="Platshållare för sidfot 4">
+            <a:extLst>
+              <a:ext uri="{FF2B5EF4-FFF2-40B4-BE49-F238E27FC236}">
+                <a16:creationId xmlns:a16="http://schemas.microsoft.com/office/drawing/2014/main" id="{13FB63BC-8400-F54F-2378-91AF85172394}"/>
+              </a:ext>
+            </a:extLst>
+          </p:cNvPr>
+          <p:cNvSpPr>
+            <a:spLocks noGrp="1"/>
+          </p:cNvSpPr>
+          <p:nvPr>
+            <p:ph type="ftr" sz="quarter" idx="3"/>
+          </p:nvPr>
+        </p:nvSpPr>
+        <p:spPr/>
+        <p:txBody>
+          <a:bodyPr/>
+          <a:lstStyle/>
+          <a:p>
+            <a:pPr eaLnBrk="0" hangingPunct="0">
+              <a:spcBef>
+                <a:spcPts val="0"/>
+              </a:spcBef>
+              <a:buFont typeface="Arial" charset="0"/>
+              <a:buNone/>
+            </a:pPr>
+            <a:r>
+              <a:rPr lang="en"/>
+              <a:t>|      SAHLGRENSKA ACADEMY</a:t>
+            </a:r>
+            <a:endParaRPr lang="en" dirty="0"/>
+          </a:p>
+        </p:txBody>
+      </p:sp>
+    </p:spTree>
+    <p:extLst>
+      <p:ext uri="{BB962C8B-B14F-4D97-AF65-F5344CB8AC3E}">
+        <p14:creationId xmlns:p14="http://schemas.microsoft.com/office/powerpoint/2010/main" val="1297230929"/>
       </p:ext>
     </p:extLst>
   </p:cSld>
@@ -27204,15 +27938,6 @@
           <a:solidFill>
             <a:srgbClr val="FFFFFF"/>
           </a:solidFill>
-          <a:extLst>
-            <a:ext uri="{909E8E84-426E-40DD-AFC4-6F175D3DCCD1}">
-              <a14:hiddenFill xmlns:a14="http://schemas.microsoft.com/office/drawing/2010/main">
-                <a:solidFill>
-                  <a:srgbClr val="FFFFFF"/>
-                </a:solidFill>
-              </a14:hiddenFill>
-            </a:ext>
-          </a:extLst>
         </p:spPr>
       </p:pic>
       <p:sp>
@@ -27493,15 +28218,6 @@
           <a:solidFill>
             <a:srgbClr val="FFFFFF"/>
           </a:solidFill>
-          <a:extLst>
-            <a:ext uri="{909E8E84-426E-40DD-AFC4-6F175D3DCCD1}">
-              <a14:hiddenFill xmlns:a14="http://schemas.microsoft.com/office/drawing/2010/main">
-                <a:solidFill>
-                  <a:srgbClr val="FFFFFF"/>
-                </a:solidFill>
-              </a14:hiddenFill>
-            </a:ext>
-          </a:extLst>
         </p:spPr>
       </p:pic>
       <p:sp>
@@ -27689,13 +28405,13 @@
   <p:clrMapOvr>
     <a:masterClrMapping/>
   </p:clrMapOvr>
-  <mc:AlternateContent xmlns:mc="http://schemas.openxmlformats.org/markup-compatibility/2006">
-    <mc:Choice xmlns:p14="http://schemas.microsoft.com/office/powerpoint/2010/main" Requires="p14">
+  <mc:AlternateContent xmlns:mc="http://schemas.openxmlformats.org/markup-compatibility/2006" xmlns:p14="http://schemas.microsoft.com/office/powerpoint/2010/main">
+    <mc:Choice Requires="p14">
       <p:transition p14:dur="200">
         <p:fade/>
       </p:transition>
     </mc:Choice>
-    <mc:Fallback>
+    <mc:Fallback xmlns="">
       <p:transition>
         <p:fade/>
       </p:transition>
@@ -31922,6 +32638,58 @@
 </file>
 
 <file path=customXml/item1.xml><?xml version="1.0" encoding="utf-8"?>
+<?mso-contentType ?>
+<SharedContentType xmlns="Microsoft.SharePoint.Taxonomy.ContentTypeSync" SourceId="85cde726-cec2-4dbf-bde0-2c3495ee07fa" ContentTypeId="0x010100231F3DA3D1B7794E85C21759888631A8" PreviousValue="false"/>
+</file>
+
+<file path=customXml/item2.xml><?xml version="1.0" encoding="utf-8"?>
+<p:properties xmlns:p="http://schemas.microsoft.com/office/2006/metadata/properties" xmlns:xsi="http://www.w3.org/2001/XMLSchema-instance" xmlns:pc="http://schemas.microsoft.com/office/infopath/2007/PartnerControls">
+  <documentManagement>
+    <TaxKeywordTaxHTField xmlns="e8fa93e4-1964-46e1-be8c-6632cc7a73c8">
+      <Terms xmlns="http://schemas.microsoft.com/office/infopath/2007/PartnerControls">
+        <TermInfo xmlns="http://schemas.microsoft.com/office/infopath/2007/PartnerControls">
+          <TermName xmlns="http://schemas.microsoft.com/office/infopath/2007/PartnerControls">NY PowerPointmall 2025</TermName>
+          <TermId xmlns="http://schemas.microsoft.com/office/infopath/2007/PartnerControls">f215e270-492d-40ef-bc2a-232342d9bde1</TermId>
+        </TermInfo>
+        <TermInfo xmlns="http://schemas.microsoft.com/office/infopath/2007/PartnerControls">
+          <TermName xmlns="http://schemas.microsoft.com/office/infopath/2007/PartnerControls">Mallar visuell identitet</TermName>
+          <TermId xmlns="http://schemas.microsoft.com/office/infopath/2007/PartnerControls">640064d2-7f38-4501-b4bf-ec03bcf599df</TermId>
+        </TermInfo>
+      </Terms>
+    </TaxKeywordTaxHTField>
+    <TaxCatchAll xmlns="e8fa93e4-1964-46e1-be8c-6632cc7a73c8">
+      <Value>111</Value>
+      <Value>544</Value>
+      <Value>360</Value>
+      <Value>69</Value>
+    </TaxCatchAll>
+    <_dlc_DocId xmlns="a94ff575-881d-444c-a15f-28f2022b7885">GU170-351012462-11478</_dlc_DocId>
+    <_dlc_DocIdUrl xmlns="b6de107f-b694-4e95-8e07-8baf2b5b38b6">
+      <Url>https://gunet.sharepoint.com/sites/sy-org-kommunikationsenheten/_layouts/15/DocIdRedir.aspx?ID=GU170-351012462-11478</Url>
+      <Description>GU170-351012462-11478</Description>
+    </_dlc_DocIdUrl>
+    <p09129be3b074fcca1de0a9cd6c52afe xmlns="b6de107f-b694-4e95-8e07-8baf2b5b38b6">
+      <Terms xmlns="http://schemas.microsoft.com/office/infopath/2007/PartnerControls">
+        <TermInfo xmlns="http://schemas.microsoft.com/office/infopath/2007/PartnerControls">
+          <TermName xmlns="http://schemas.microsoft.com/office/infopath/2007/PartnerControls">Kommunikationsenheten</TermName>
+          <TermId xmlns="http://schemas.microsoft.com/office/infopath/2007/PartnerControls">d8e4bd47-f9f1-451f-b020-7fd79937fe8c</TermId>
+        </TermInfo>
+      </Terms>
+    </p09129be3b074fcca1de0a9cd6c52afe>
+    <GU_FormDescription xmlns="b6de107f-b694-4e95-8e07-8baf2b5b38b6">PowerPointmall, svensk, SA+SU</GU_FormDescription>
+    <f73815fef383408bad3056eee7425723 xmlns="b6de107f-b694-4e95-8e07-8baf2b5b38b6">
+      <Terms xmlns="http://schemas.microsoft.com/office/infopath/2007/PartnerControls">
+        <TermInfo xmlns="http://schemas.microsoft.com/office/infopath/2007/PartnerControls">
+          <TermName xmlns="http://schemas.microsoft.com/office/infopath/2007/PartnerControls">Personal</TermName>
+          <TermId xmlns="http://schemas.microsoft.com/office/infopath/2007/PartnerControls">da80f012-349c-4177-a6bd-7ba3c165a3ce</TermId>
+        </TermInfo>
+      </Terms>
+    </f73815fef383408bad3056eee7425723>
+  </documentManagement>
+</p:properties>
+</file>
+
+<file path=customXml/item3.xml><?xml version="1.0" encoding="utf-8"?>
 <ct:contentTypeSchema xmlns:ct="http://schemas.microsoft.com/office/2006/metadata/contentType" xmlns:ma="http://schemas.microsoft.com/office/2006/metadata/properties/metaAttributes" ct:_="" ma:_="" ma:contentTypeName="GU_Blankett" ma:contentTypeID="0x010100231F3DA3D1B7794E85C21759888631A8009DBB18C6CF00B24F95A41F76F18926C1" ma:contentTypeVersion="5" ma:contentTypeDescription="Innehållstyp för lagring av blanketter" ma:contentTypeScope="" ma:versionID="f4dccaf64e5543e9559c3d7fd75aeee1">
   <xsd:schema xmlns:xsd="http://www.w3.org/2001/XMLSchema" xmlns:xs="http://www.w3.org/2001/XMLSchema" xmlns:p="http://schemas.microsoft.com/office/2006/metadata/properties" xmlns:ns2="a94ff575-881d-444c-a15f-28f2022b7885" xmlns:ns3="b6de107f-b694-4e95-8e07-8baf2b5b38b6" xmlns:ns4="e8fa93e4-1964-46e1-be8c-6632cc7a73c8" targetNamespace="http://schemas.microsoft.com/office/2006/metadata/properties" ma:root="true" ma:fieldsID="a777f7c068c1690e5137d0b07a4fe62d" ns2:_="" ns3:_="" ns4:_="">
     <xsd:import namespace="a94ff575-881d-444c-a15f-28f2022b7885"/>
@@ -32132,7 +32900,7 @@
 </ct:contentTypeSchema>
 </file>
 
-<file path=customXml/item2.xml><?xml version="1.0" encoding="utf-8"?>
+<file path=customXml/item4.xml><?xml version="1.0" encoding="utf-8"?>
 <?mso-contentType ?>
 <FormTemplates xmlns="http://schemas.microsoft.com/sharepoint/v3/contenttype/forms">
   <Display>DocumentLibraryForm</Display>
@@ -32141,87 +32909,7 @@
 </FormTemplates>
 </file>
 
-<file path=customXml/item3.xml><?xml version="1.0" encoding="utf-8"?>
-<?mso-contentType ?>
-<SharedContentType xmlns="Microsoft.SharePoint.Taxonomy.ContentTypeSync" SourceId="85cde726-cec2-4dbf-bde0-2c3495ee07fa" ContentTypeId="0x010100231F3DA3D1B7794E85C21759888631A8" PreviousValue="false"/>
-</file>
-
-<file path=customXml/item4.xml><?xml version="1.0" encoding="utf-8"?>
-<p:properties xmlns:p="http://schemas.microsoft.com/office/2006/metadata/properties" xmlns:xsi="http://www.w3.org/2001/XMLSchema-instance" xmlns:pc="http://schemas.microsoft.com/office/infopath/2007/PartnerControls">
-  <documentManagement>
-    <TaxKeywordTaxHTField xmlns="e8fa93e4-1964-46e1-be8c-6632cc7a73c8">
-      <Terms xmlns="http://schemas.microsoft.com/office/infopath/2007/PartnerControls">
-        <TermInfo xmlns="http://schemas.microsoft.com/office/infopath/2007/PartnerControls">
-          <TermName xmlns="http://schemas.microsoft.com/office/infopath/2007/PartnerControls">NY PowerPointmall 2025</TermName>
-          <TermId xmlns="http://schemas.microsoft.com/office/infopath/2007/PartnerControls">f215e270-492d-40ef-bc2a-232342d9bde1</TermId>
-        </TermInfo>
-        <TermInfo xmlns="http://schemas.microsoft.com/office/infopath/2007/PartnerControls">
-          <TermName xmlns="http://schemas.microsoft.com/office/infopath/2007/PartnerControls">Mallar visuell identitet</TermName>
-          <TermId xmlns="http://schemas.microsoft.com/office/infopath/2007/PartnerControls">640064d2-7f38-4501-b4bf-ec03bcf599df</TermId>
-        </TermInfo>
-      </Terms>
-    </TaxKeywordTaxHTField>
-    <TaxCatchAll xmlns="e8fa93e4-1964-46e1-be8c-6632cc7a73c8">
-      <Value>111</Value>
-      <Value>544</Value>
-      <Value>360</Value>
-      <Value>69</Value>
-    </TaxCatchAll>
-    <_dlc_DocId xmlns="a94ff575-881d-444c-a15f-28f2022b7885">GU170-351012462-11478</_dlc_DocId>
-    <_dlc_DocIdUrl xmlns="b6de107f-b694-4e95-8e07-8baf2b5b38b6">
-      <Url>https://gunet.sharepoint.com/sites/sy-org-kommunikationsenheten/_layouts/15/DocIdRedir.aspx?ID=GU170-351012462-11478</Url>
-      <Description>GU170-351012462-11478</Description>
-    </_dlc_DocIdUrl>
-    <p09129be3b074fcca1de0a9cd6c52afe xmlns="b6de107f-b694-4e95-8e07-8baf2b5b38b6">
-      <Terms xmlns="http://schemas.microsoft.com/office/infopath/2007/PartnerControls">
-        <TermInfo xmlns="http://schemas.microsoft.com/office/infopath/2007/PartnerControls">
-          <TermName xmlns="http://schemas.microsoft.com/office/infopath/2007/PartnerControls">Kommunikationsenheten</TermName>
-          <TermId xmlns="http://schemas.microsoft.com/office/infopath/2007/PartnerControls">d8e4bd47-f9f1-451f-b020-7fd79937fe8c</TermId>
-        </TermInfo>
-      </Terms>
-    </p09129be3b074fcca1de0a9cd6c52afe>
-    <GU_FormDescription xmlns="b6de107f-b694-4e95-8e07-8baf2b5b38b6">PowerPointmall, svensk, SA+SU</GU_FormDescription>
-    <f73815fef383408bad3056eee7425723 xmlns="b6de107f-b694-4e95-8e07-8baf2b5b38b6">
-      <Terms xmlns="http://schemas.microsoft.com/office/infopath/2007/PartnerControls">
-        <TermInfo xmlns="http://schemas.microsoft.com/office/infopath/2007/PartnerControls">
-          <TermName xmlns="http://schemas.microsoft.com/office/infopath/2007/PartnerControls">Personal</TermName>
-          <TermId xmlns="http://schemas.microsoft.com/office/infopath/2007/PartnerControls">da80f012-349c-4177-a6bd-7ba3c165a3ce</TermId>
-        </TermInfo>
-      </Terms>
-    </f73815fef383408bad3056eee7425723>
-  </documentManagement>
-</p:properties>
-</file>
-
 <file path=customXml/itemProps1.xml><?xml version="1.0" encoding="utf-8"?>
-<ds:datastoreItem xmlns:ds="http://schemas.openxmlformats.org/officeDocument/2006/customXml" ds:itemID="{50DFE1E4-7E50-423B-9CEC-1608761E8725}">
-  <ds:schemaRefs>
-    <ds:schemaRef ds:uri="http://schemas.microsoft.com/office/2006/metadata/contentType"/>
-    <ds:schemaRef ds:uri="http://schemas.microsoft.com/office/2006/metadata/properties/metaAttributes"/>
-    <ds:schemaRef ds:uri="http://www.w3.org/2001/XMLSchema"/>
-    <ds:schemaRef ds:uri="http://schemas.microsoft.com/office/2006/metadata/properties"/>
-    <ds:schemaRef ds:uri="a94ff575-881d-444c-a15f-28f2022b7885"/>
-    <ds:schemaRef ds:uri="b6de107f-b694-4e95-8e07-8baf2b5b38b6"/>
-    <ds:schemaRef ds:uri="e8fa93e4-1964-46e1-be8c-6632cc7a73c8"/>
-    <ds:schemaRef ds:uri="http://schemas.microsoft.com/office/2006/documentManagement/types"/>
-    <ds:schemaRef ds:uri="http://schemas.microsoft.com/office/infopath/2007/PartnerControls"/>
-    <ds:schemaRef ds:uri="http://schemas.openxmlformats.org/package/2006/metadata/core-properties"/>
-    <ds:schemaRef ds:uri="http://purl.org/dc/elements/1.1/"/>
-    <ds:schemaRef ds:uri="http://purl.org/dc/terms/"/>
-    <ds:schemaRef ds:uri="http://schemas.microsoft.com/internal/obd"/>
-  </ds:schemaRefs>
-</ds:datastoreItem>
-</file>
-
-<file path=customXml/itemProps2.xml><?xml version="1.0" encoding="utf-8"?>
-<ds:datastoreItem xmlns:ds="http://schemas.openxmlformats.org/officeDocument/2006/customXml" ds:itemID="{3D2C57D5-E943-415E-8BED-8415937049AE}">
-  <ds:schemaRefs>
-    <ds:schemaRef ds:uri="http://schemas.microsoft.com/sharepoint/v3/contenttype/forms"/>
-  </ds:schemaRefs>
-</ds:datastoreItem>
-</file>
-
-<file path=customXml/itemProps3.xml><?xml version="1.0" encoding="utf-8"?>
 <ds:datastoreItem xmlns:ds="http://schemas.openxmlformats.org/officeDocument/2006/customXml" ds:itemID="{5875B85B-3E8A-45F8-927F-9CD123A1F00F}">
   <ds:schemaRefs>
     <ds:schemaRef ds:uri="Microsoft.SharePoint.Taxonomy.ContentTypeSync"/>
@@ -32229,7 +32917,7 @@
 </ds:datastoreItem>
 </file>
 
-<file path=customXml/itemProps4.xml><?xml version="1.0" encoding="utf-8"?>
+<file path=customXml/itemProps2.xml><?xml version="1.0" encoding="utf-8"?>
 <ds:datastoreItem xmlns:ds="http://schemas.openxmlformats.org/officeDocument/2006/customXml" ds:itemID="{BEC01A0C-036E-4B57-81C8-6CF117B892FB}">
   <ds:schemaRefs>
     <ds:schemaRef ds:uri="http://schemas.microsoft.com/office/infopath/2007/PartnerControls"/>
@@ -32250,4 +32938,32 @@
     <ds:schemaRef ds:uri="b6de107f-b694-4e95-8e07-8baf2b5b38b6"/>
   </ds:schemaRefs>
 </ds:datastoreItem>
+</file>
+
+<file path=customXml/itemProps3.xml><?xml version="1.0" encoding="utf-8"?>
+<ds:datastoreItem xmlns:ds="http://schemas.openxmlformats.org/officeDocument/2006/customXml" ds:itemID="{50DFE1E4-7E50-423B-9CEC-1608761E8725}">
+  <ds:schemaRefs>
+    <ds:schemaRef ds:uri="http://schemas.microsoft.com/office/2006/metadata/contentType"/>
+    <ds:schemaRef ds:uri="http://schemas.microsoft.com/office/2006/metadata/properties/metaAttributes"/>
+    <ds:schemaRef ds:uri="http://www.w3.org/2001/XMLSchema"/>
+    <ds:schemaRef ds:uri="http://schemas.microsoft.com/office/2006/metadata/properties"/>
+    <ds:schemaRef ds:uri="a94ff575-881d-444c-a15f-28f2022b7885"/>
+    <ds:schemaRef ds:uri="b6de107f-b694-4e95-8e07-8baf2b5b38b6"/>
+    <ds:schemaRef ds:uri="e8fa93e4-1964-46e1-be8c-6632cc7a73c8"/>
+    <ds:schemaRef ds:uri="http://schemas.microsoft.com/office/2006/documentManagement/types"/>
+    <ds:schemaRef ds:uri="http://schemas.microsoft.com/office/infopath/2007/PartnerControls"/>
+    <ds:schemaRef ds:uri="http://schemas.openxmlformats.org/package/2006/metadata/core-properties"/>
+    <ds:schemaRef ds:uri="http://purl.org/dc/elements/1.1/"/>
+    <ds:schemaRef ds:uri="http://purl.org/dc/terms/"/>
+    <ds:schemaRef ds:uri="http://schemas.microsoft.com/internal/obd"/>
+  </ds:schemaRefs>
+</ds:datastoreItem>
+</file>
+
+<file path=customXml/itemProps4.xml><?xml version="1.0" encoding="utf-8"?>
+<ds:datastoreItem xmlns:ds="http://schemas.openxmlformats.org/officeDocument/2006/customXml" ds:itemID="{3D2C57D5-E943-415E-8BED-8415937049AE}">
+  <ds:schemaRefs>
+    <ds:schemaRef ds:uri="http://schemas.microsoft.com/sharepoint/v3/contenttype/forms"/>
+  </ds:schemaRefs>
+</ds:datastoreItem>
 </file>